--- a/img/lighting.pptx
+++ b/img/lighting.pptx
@@ -2,18 +2,18 @@
 <file path=ppt/presentation.xml><?xml version="1.0" encoding="utf-8"?>
 <p:presentation xmlns:a="http://schemas.openxmlformats.org/drawingml/2006/main" xmlns:r="http://schemas.openxmlformats.org/officeDocument/2006/relationships" xmlns:p="http://schemas.openxmlformats.org/presentationml/2006/main" saveSubsetFonts="1" autoCompressPictures="0">
   <p:sldMasterIdLst>
-    <p:sldMasterId id="2147483648" r:id="rId1"/>
+    <p:sldMasterId id="2147483672" r:id="rId1"/>
   </p:sldMasterIdLst>
   <p:sldIdLst>
     <p:sldId id="256" r:id="rId2"/>
   </p:sldIdLst>
-  <p:sldSz cx="12192000" cy="6858000"/>
+  <p:sldSz cx="12192000" cy="4114800"/>
   <p:notesSz cx="6858000" cy="9144000"/>
   <p:defaultTextStyle>
     <a:defPPr>
       <a:defRPr lang="en-US"/>
     </a:defPPr>
-    <a:lvl1pPr marL="0" algn="l" defTabSz="914400" rtl="0" eaLnBrk="1" latinLnBrk="0" hangingPunct="1">
+    <a:lvl1pPr marL="0" algn="l" defTabSz="457200" rtl="0" eaLnBrk="1" latinLnBrk="0" hangingPunct="1">
       <a:defRPr sz="1800" kern="1200">
         <a:solidFill>
           <a:schemeClr val="tx1"/>
@@ -23,7 +23,7 @@
         <a:cs typeface="+mn-cs"/>
       </a:defRPr>
     </a:lvl1pPr>
-    <a:lvl2pPr marL="457200" algn="l" defTabSz="914400" rtl="0" eaLnBrk="1" latinLnBrk="0" hangingPunct="1">
+    <a:lvl2pPr marL="457200" algn="l" defTabSz="457200" rtl="0" eaLnBrk="1" latinLnBrk="0" hangingPunct="1">
       <a:defRPr sz="1800" kern="1200">
         <a:solidFill>
           <a:schemeClr val="tx1"/>
@@ -33,7 +33,7 @@
         <a:cs typeface="+mn-cs"/>
       </a:defRPr>
     </a:lvl2pPr>
-    <a:lvl3pPr marL="914400" algn="l" defTabSz="914400" rtl="0" eaLnBrk="1" latinLnBrk="0" hangingPunct="1">
+    <a:lvl3pPr marL="914400" algn="l" defTabSz="457200" rtl="0" eaLnBrk="1" latinLnBrk="0" hangingPunct="1">
       <a:defRPr sz="1800" kern="1200">
         <a:solidFill>
           <a:schemeClr val="tx1"/>
@@ -43,7 +43,7 @@
         <a:cs typeface="+mn-cs"/>
       </a:defRPr>
     </a:lvl3pPr>
-    <a:lvl4pPr marL="1371600" algn="l" defTabSz="914400" rtl="0" eaLnBrk="1" latinLnBrk="0" hangingPunct="1">
+    <a:lvl4pPr marL="1371600" algn="l" defTabSz="457200" rtl="0" eaLnBrk="1" latinLnBrk="0" hangingPunct="1">
       <a:defRPr sz="1800" kern="1200">
         <a:solidFill>
           <a:schemeClr val="tx1"/>
@@ -53,7 +53,7 @@
         <a:cs typeface="+mn-cs"/>
       </a:defRPr>
     </a:lvl4pPr>
-    <a:lvl5pPr marL="1828800" algn="l" defTabSz="914400" rtl="0" eaLnBrk="1" latinLnBrk="0" hangingPunct="1">
+    <a:lvl5pPr marL="1828800" algn="l" defTabSz="457200" rtl="0" eaLnBrk="1" latinLnBrk="0" hangingPunct="1">
       <a:defRPr sz="1800" kern="1200">
         <a:solidFill>
           <a:schemeClr val="tx1"/>
@@ -63,7 +63,7 @@
         <a:cs typeface="+mn-cs"/>
       </a:defRPr>
     </a:lvl5pPr>
-    <a:lvl6pPr marL="2286000" algn="l" defTabSz="914400" rtl="0" eaLnBrk="1" latinLnBrk="0" hangingPunct="1">
+    <a:lvl6pPr marL="2286000" algn="l" defTabSz="457200" rtl="0" eaLnBrk="1" latinLnBrk="0" hangingPunct="1">
       <a:defRPr sz="1800" kern="1200">
         <a:solidFill>
           <a:schemeClr val="tx1"/>
@@ -73,7 +73,7 @@
         <a:cs typeface="+mn-cs"/>
       </a:defRPr>
     </a:lvl6pPr>
-    <a:lvl7pPr marL="2743200" algn="l" defTabSz="914400" rtl="0" eaLnBrk="1" latinLnBrk="0" hangingPunct="1">
+    <a:lvl7pPr marL="2743200" algn="l" defTabSz="457200" rtl="0" eaLnBrk="1" latinLnBrk="0" hangingPunct="1">
       <a:defRPr sz="1800" kern="1200">
         <a:solidFill>
           <a:schemeClr val="tx1"/>
@@ -83,7 +83,7 @@
         <a:cs typeface="+mn-cs"/>
       </a:defRPr>
     </a:lvl7pPr>
-    <a:lvl8pPr marL="3200400" algn="l" defTabSz="914400" rtl="0" eaLnBrk="1" latinLnBrk="0" hangingPunct="1">
+    <a:lvl8pPr marL="3200400" algn="l" defTabSz="457200" rtl="0" eaLnBrk="1" latinLnBrk="0" hangingPunct="1">
       <a:defRPr sz="1800" kern="1200">
         <a:solidFill>
           <a:schemeClr val="tx1"/>
@@ -93,7 +93,7 @@
         <a:cs typeface="+mn-cs"/>
       </a:defRPr>
     </a:lvl8pPr>
-    <a:lvl9pPr marL="3657600" algn="l" defTabSz="914400" rtl="0" eaLnBrk="1" latinLnBrk="0" hangingPunct="1">
+    <a:lvl9pPr marL="3657600" algn="l" defTabSz="457200" rtl="0" eaLnBrk="1" latinLnBrk="0" hangingPunct="1">
       <a:defRPr sz="1800" kern="1200">
         <a:solidFill>
           <a:schemeClr val="tx1"/>
@@ -104,6 +104,11 @@
       </a:defRPr>
     </a:lvl9pPr>
   </p:defaultTextStyle>
+  <p:extLst>
+    <p:ext uri="{EFAFB233-063F-42B5-8137-9DF3F51BA10A}">
+      <p15:sldGuideLst xmlns:p15="http://schemas.microsoft.com/office/powerpoint/2012/main"/>
+    </p:ext>
+  </p:extLst>
 </p:presentation>
 </file>
 
@@ -126,13 +131,7 @@
       </p:grpSpPr>
       <p:sp>
         <p:nvSpPr>
-          <p:cNvPr id="2" name="Title 1">
-            <a:extLst>
-              <a:ext uri="{FF2B5EF4-FFF2-40B4-BE49-F238E27FC236}">
-                <a16:creationId xmlns:a16="http://schemas.microsoft.com/office/drawing/2014/main" id="{0EC35936-94D5-DE4A-9BB4-453220BC1201}"/>
-              </a:ext>
-            </a:extLst>
-          </p:cNvPr>
+          <p:cNvPr id="2" name="Title 1"/>
           <p:cNvSpPr>
             <a:spLocks noGrp="1"/>
           </p:cNvSpPr>
@@ -142,15 +141,15 @@
         </p:nvSpPr>
         <p:spPr>
           <a:xfrm>
-            <a:off x="1524000" y="1122363"/>
-            <a:ext cx="9144000" cy="2387600"/>
+            <a:off x="1524000" y="673418"/>
+            <a:ext cx="9144000" cy="1432560"/>
           </a:xfrm>
         </p:spPr>
         <p:txBody>
           <a:bodyPr anchor="b"/>
           <a:lstStyle>
             <a:lvl1pPr algn="ctr">
-              <a:defRPr sz="6000"/>
+              <a:defRPr sz="3600"/>
             </a:lvl1pPr>
           </a:lstStyle>
           <a:p>
@@ -158,18 +157,13 @@
               <a:rPr lang="en-US"/>
               <a:t>Click to edit Master title style</a:t>
             </a:r>
-          </a:p>
-        </p:txBody>
-      </p:sp>
-      <p:sp>
-        <p:nvSpPr>
-          <p:cNvPr id="3" name="Subtitle 2">
-            <a:extLst>
-              <a:ext uri="{FF2B5EF4-FFF2-40B4-BE49-F238E27FC236}">
-                <a16:creationId xmlns:a16="http://schemas.microsoft.com/office/drawing/2014/main" id="{066412FC-222D-2145-9346-CCC7FD9ABDCE}"/>
-              </a:ext>
-            </a:extLst>
-          </p:cNvPr>
+            <a:endParaRPr lang="en-US" dirty="0"/>
+          </a:p>
+        </p:txBody>
+      </p:sp>
+      <p:sp>
+        <p:nvSpPr>
+          <p:cNvPr id="3" name="Subtitle 2"/>
           <p:cNvSpPr>
             <a:spLocks noGrp="1"/>
           </p:cNvSpPr>
@@ -179,8 +173,8 @@
         </p:nvSpPr>
         <p:spPr>
           <a:xfrm>
-            <a:off x="1524000" y="3602038"/>
-            <a:ext cx="9144000" cy="1655762"/>
+            <a:off x="1524000" y="2161223"/>
+            <a:ext cx="9144000" cy="993457"/>
           </a:xfrm>
         </p:spPr>
         <p:txBody>
@@ -188,39 +182,39 @@
           <a:lstStyle>
             <a:lvl1pPr marL="0" indent="0" algn="ctr">
               <a:buNone/>
-              <a:defRPr sz="2400"/>
+              <a:defRPr sz="1440"/>
             </a:lvl1pPr>
-            <a:lvl2pPr marL="457200" indent="0" algn="ctr">
-              <a:buNone/>
-              <a:defRPr sz="2000"/>
+            <a:lvl2pPr marL="274320" indent="0" algn="ctr">
+              <a:buNone/>
+              <a:defRPr sz="1200"/>
             </a:lvl2pPr>
-            <a:lvl3pPr marL="914400" indent="0" algn="ctr">
-              <a:buNone/>
-              <a:defRPr sz="1800"/>
+            <a:lvl3pPr marL="548640" indent="0" algn="ctr">
+              <a:buNone/>
+              <a:defRPr sz="1080"/>
             </a:lvl3pPr>
-            <a:lvl4pPr marL="1371600" indent="0" algn="ctr">
-              <a:buNone/>
-              <a:defRPr sz="1600"/>
+            <a:lvl4pPr marL="822960" indent="0" algn="ctr">
+              <a:buNone/>
+              <a:defRPr sz="960"/>
             </a:lvl4pPr>
-            <a:lvl5pPr marL="1828800" indent="0" algn="ctr">
-              <a:buNone/>
-              <a:defRPr sz="1600"/>
+            <a:lvl5pPr marL="1097280" indent="0" algn="ctr">
+              <a:buNone/>
+              <a:defRPr sz="960"/>
             </a:lvl5pPr>
-            <a:lvl6pPr marL="2286000" indent="0" algn="ctr">
-              <a:buNone/>
-              <a:defRPr sz="1600"/>
+            <a:lvl6pPr marL="1371600" indent="0" algn="ctr">
+              <a:buNone/>
+              <a:defRPr sz="960"/>
             </a:lvl6pPr>
-            <a:lvl7pPr marL="2743200" indent="0" algn="ctr">
-              <a:buNone/>
-              <a:defRPr sz="1600"/>
+            <a:lvl7pPr marL="1645920" indent="0" algn="ctr">
+              <a:buNone/>
+              <a:defRPr sz="960"/>
             </a:lvl7pPr>
-            <a:lvl8pPr marL="3200400" indent="0" algn="ctr">
-              <a:buNone/>
-              <a:defRPr sz="1600"/>
+            <a:lvl8pPr marL="1920240" indent="0" algn="ctr">
+              <a:buNone/>
+              <a:defRPr sz="960"/>
             </a:lvl8pPr>
-            <a:lvl9pPr marL="3657600" indent="0" algn="ctr">
-              <a:buNone/>
-              <a:defRPr sz="1600"/>
+            <a:lvl9pPr marL="2194560" indent="0" algn="ctr">
+              <a:buNone/>
+              <a:defRPr sz="960"/>
             </a:lvl9pPr>
           </a:lstStyle>
           <a:p>
@@ -228,18 +222,13 @@
               <a:rPr lang="en-US"/>
               <a:t>Click to edit Master subtitle style</a:t>
             </a:r>
-          </a:p>
-        </p:txBody>
-      </p:sp>
-      <p:sp>
-        <p:nvSpPr>
-          <p:cNvPr id="4" name="Date Placeholder 3">
-            <a:extLst>
-              <a:ext uri="{FF2B5EF4-FFF2-40B4-BE49-F238E27FC236}">
-                <a16:creationId xmlns:a16="http://schemas.microsoft.com/office/drawing/2014/main" id="{90DFA953-1B7F-5649-BC3D-7FF52EC11AAB}"/>
-              </a:ext>
-            </a:extLst>
-          </p:cNvPr>
+            <a:endParaRPr lang="en-US" dirty="0"/>
+          </a:p>
+        </p:txBody>
+      </p:sp>
+      <p:sp>
+        <p:nvSpPr>
+          <p:cNvPr id="4" name="Date Placeholder 3"/>
           <p:cNvSpPr>
             <a:spLocks noGrp="1"/>
           </p:cNvSpPr>
@@ -262,13 +251,7 @@
       </p:sp>
       <p:sp>
         <p:nvSpPr>
-          <p:cNvPr id="5" name="Footer Placeholder 4">
-            <a:extLst>
-              <a:ext uri="{FF2B5EF4-FFF2-40B4-BE49-F238E27FC236}">
-                <a16:creationId xmlns:a16="http://schemas.microsoft.com/office/drawing/2014/main" id="{218E3667-FEF8-9E49-949D-3AE5DBD4B040}"/>
-              </a:ext>
-            </a:extLst>
-          </p:cNvPr>
+          <p:cNvPr id="5" name="Footer Placeholder 4"/>
           <p:cNvSpPr>
             <a:spLocks noGrp="1"/>
           </p:cNvSpPr>
@@ -287,13 +270,7 @@
       </p:sp>
       <p:sp>
         <p:nvSpPr>
-          <p:cNvPr id="6" name="Slide Number Placeholder 5">
-            <a:extLst>
-              <a:ext uri="{FF2B5EF4-FFF2-40B4-BE49-F238E27FC236}">
-                <a16:creationId xmlns:a16="http://schemas.microsoft.com/office/drawing/2014/main" id="{BB1C15BF-75A9-EA40-A69A-85F32C6168C5}"/>
-              </a:ext>
-            </a:extLst>
-          </p:cNvPr>
+          <p:cNvPr id="6" name="Slide Number Placeholder 5"/>
           <p:cNvSpPr>
             <a:spLocks noGrp="1"/>
           </p:cNvSpPr>
@@ -317,7 +294,7 @@
     </p:spTree>
     <p:extLst>
       <p:ext uri="{BB962C8B-B14F-4D97-AF65-F5344CB8AC3E}">
-        <p14:creationId xmlns:p14="http://schemas.microsoft.com/office/powerpoint/2010/main" val="3307060050"/>
+        <p14:creationId xmlns:p14="http://schemas.microsoft.com/office/powerpoint/2010/main" val="1429418500"/>
       </p:ext>
     </p:extLst>
   </p:cSld>
@@ -346,13 +323,7 @@
       </p:grpSpPr>
       <p:sp>
         <p:nvSpPr>
-          <p:cNvPr id="2" name="Title 1">
-            <a:extLst>
-              <a:ext uri="{FF2B5EF4-FFF2-40B4-BE49-F238E27FC236}">
-                <a16:creationId xmlns:a16="http://schemas.microsoft.com/office/drawing/2014/main" id="{E94949A4-F22D-AE4D-91C0-519D56D1820E}"/>
-              </a:ext>
-            </a:extLst>
-          </p:cNvPr>
+          <p:cNvPr id="2" name="Title 1"/>
           <p:cNvSpPr>
             <a:spLocks noGrp="1"/>
           </p:cNvSpPr>
@@ -369,18 +340,13 @@
               <a:rPr lang="en-US"/>
               <a:t>Click to edit Master title style</a:t>
             </a:r>
-          </a:p>
-        </p:txBody>
-      </p:sp>
-      <p:sp>
-        <p:nvSpPr>
-          <p:cNvPr id="3" name="Vertical Text Placeholder 2">
-            <a:extLst>
-              <a:ext uri="{FF2B5EF4-FFF2-40B4-BE49-F238E27FC236}">
-                <a16:creationId xmlns:a16="http://schemas.microsoft.com/office/drawing/2014/main" id="{60DE5536-E8AD-8B48-AEDC-12DB70EDB276}"/>
-              </a:ext>
-            </a:extLst>
-          </p:cNvPr>
+            <a:endParaRPr lang="en-US" dirty="0"/>
+          </a:p>
+        </p:txBody>
+      </p:sp>
+      <p:sp>
+        <p:nvSpPr>
+          <p:cNvPr id="3" name="Vertical Text Placeholder 2"/>
           <p:cNvSpPr>
             <a:spLocks noGrp="1"/>
           </p:cNvSpPr>
@@ -426,18 +392,13 @@
               <a:rPr lang="en-US"/>
               <a:t>Fifth level</a:t>
             </a:r>
-          </a:p>
-        </p:txBody>
-      </p:sp>
-      <p:sp>
-        <p:nvSpPr>
-          <p:cNvPr id="4" name="Date Placeholder 3">
-            <a:extLst>
-              <a:ext uri="{FF2B5EF4-FFF2-40B4-BE49-F238E27FC236}">
-                <a16:creationId xmlns:a16="http://schemas.microsoft.com/office/drawing/2014/main" id="{22A9A84D-BE6C-6646-99E4-12944C6C3F87}"/>
-              </a:ext>
-            </a:extLst>
-          </p:cNvPr>
+            <a:endParaRPr lang="en-US" dirty="0"/>
+          </a:p>
+        </p:txBody>
+      </p:sp>
+      <p:sp>
+        <p:nvSpPr>
+          <p:cNvPr id="4" name="Date Placeholder 3"/>
           <p:cNvSpPr>
             <a:spLocks noGrp="1"/>
           </p:cNvSpPr>
@@ -460,13 +421,7 @@
       </p:sp>
       <p:sp>
         <p:nvSpPr>
-          <p:cNvPr id="5" name="Footer Placeholder 4">
-            <a:extLst>
-              <a:ext uri="{FF2B5EF4-FFF2-40B4-BE49-F238E27FC236}">
-                <a16:creationId xmlns:a16="http://schemas.microsoft.com/office/drawing/2014/main" id="{5102597E-3AFA-B141-AAD1-8152D75BB225}"/>
-              </a:ext>
-            </a:extLst>
-          </p:cNvPr>
+          <p:cNvPr id="5" name="Footer Placeholder 4"/>
           <p:cNvSpPr>
             <a:spLocks noGrp="1"/>
           </p:cNvSpPr>
@@ -485,13 +440,7 @@
       </p:sp>
       <p:sp>
         <p:nvSpPr>
-          <p:cNvPr id="6" name="Slide Number Placeholder 5">
-            <a:extLst>
-              <a:ext uri="{FF2B5EF4-FFF2-40B4-BE49-F238E27FC236}">
-                <a16:creationId xmlns:a16="http://schemas.microsoft.com/office/drawing/2014/main" id="{AB1D6F62-873E-F64C-830B-1D7B33B4F9ED}"/>
-              </a:ext>
-            </a:extLst>
-          </p:cNvPr>
+          <p:cNvPr id="6" name="Slide Number Placeholder 5"/>
           <p:cNvSpPr>
             <a:spLocks noGrp="1"/>
           </p:cNvSpPr>
@@ -515,7 +464,7 @@
     </p:spTree>
     <p:extLst>
       <p:ext uri="{BB962C8B-B14F-4D97-AF65-F5344CB8AC3E}">
-        <p14:creationId xmlns:p14="http://schemas.microsoft.com/office/powerpoint/2010/main" val="3282352572"/>
+        <p14:creationId xmlns:p14="http://schemas.microsoft.com/office/powerpoint/2010/main" val="3556476885"/>
       </p:ext>
     </p:extLst>
   </p:cSld>
@@ -544,13 +493,7 @@
       </p:grpSpPr>
       <p:sp>
         <p:nvSpPr>
-          <p:cNvPr id="2" name="Vertical Title 1">
-            <a:extLst>
-              <a:ext uri="{FF2B5EF4-FFF2-40B4-BE49-F238E27FC236}">
-                <a16:creationId xmlns:a16="http://schemas.microsoft.com/office/drawing/2014/main" id="{26F13987-0A6A-B249-A477-5E314CBDEEC1}"/>
-              </a:ext>
-            </a:extLst>
-          </p:cNvPr>
+          <p:cNvPr id="2" name="Vertical Title 1"/>
           <p:cNvSpPr>
             <a:spLocks noGrp="1"/>
           </p:cNvSpPr>
@@ -560,8 +503,8 @@
         </p:nvSpPr>
         <p:spPr>
           <a:xfrm>
-            <a:off x="8724900" y="365125"/>
-            <a:ext cx="2628900" cy="5811838"/>
+            <a:off x="8724900" y="219075"/>
+            <a:ext cx="2628900" cy="3487103"/>
           </a:xfrm>
         </p:spPr>
         <p:txBody>
@@ -572,18 +515,13 @@
               <a:rPr lang="en-US"/>
               <a:t>Click to edit Master title style</a:t>
             </a:r>
-          </a:p>
-        </p:txBody>
-      </p:sp>
-      <p:sp>
-        <p:nvSpPr>
-          <p:cNvPr id="3" name="Vertical Text Placeholder 2">
-            <a:extLst>
-              <a:ext uri="{FF2B5EF4-FFF2-40B4-BE49-F238E27FC236}">
-                <a16:creationId xmlns:a16="http://schemas.microsoft.com/office/drawing/2014/main" id="{B2E9A6C2-ADCA-6646-8F4A-C2EE0602DB3F}"/>
-              </a:ext>
-            </a:extLst>
-          </p:cNvPr>
+            <a:endParaRPr lang="en-US" dirty="0"/>
+          </a:p>
+        </p:txBody>
+      </p:sp>
+      <p:sp>
+        <p:nvSpPr>
+          <p:cNvPr id="3" name="Vertical Text Placeholder 2"/>
           <p:cNvSpPr>
             <a:spLocks noGrp="1"/>
           </p:cNvSpPr>
@@ -593,8 +531,8 @@
         </p:nvSpPr>
         <p:spPr>
           <a:xfrm>
-            <a:off x="838200" y="365125"/>
-            <a:ext cx="7734300" cy="5811838"/>
+            <a:off x="838200" y="219075"/>
+            <a:ext cx="7734300" cy="3487103"/>
           </a:xfrm>
         </p:spPr>
         <p:txBody>
@@ -634,18 +572,13 @@
               <a:rPr lang="en-US"/>
               <a:t>Fifth level</a:t>
             </a:r>
-          </a:p>
-        </p:txBody>
-      </p:sp>
-      <p:sp>
-        <p:nvSpPr>
-          <p:cNvPr id="4" name="Date Placeholder 3">
-            <a:extLst>
-              <a:ext uri="{FF2B5EF4-FFF2-40B4-BE49-F238E27FC236}">
-                <a16:creationId xmlns:a16="http://schemas.microsoft.com/office/drawing/2014/main" id="{9C0A8B78-46C4-4246-94F3-42A977ECFF6B}"/>
-              </a:ext>
-            </a:extLst>
-          </p:cNvPr>
+            <a:endParaRPr lang="en-US" dirty="0"/>
+          </a:p>
+        </p:txBody>
+      </p:sp>
+      <p:sp>
+        <p:nvSpPr>
+          <p:cNvPr id="4" name="Date Placeholder 3"/>
           <p:cNvSpPr>
             <a:spLocks noGrp="1"/>
           </p:cNvSpPr>
@@ -668,13 +601,7 @@
       </p:sp>
       <p:sp>
         <p:nvSpPr>
-          <p:cNvPr id="5" name="Footer Placeholder 4">
-            <a:extLst>
-              <a:ext uri="{FF2B5EF4-FFF2-40B4-BE49-F238E27FC236}">
-                <a16:creationId xmlns:a16="http://schemas.microsoft.com/office/drawing/2014/main" id="{2DE96CB4-78B7-044A-9634-8DBE8034F55C}"/>
-              </a:ext>
-            </a:extLst>
-          </p:cNvPr>
+          <p:cNvPr id="5" name="Footer Placeholder 4"/>
           <p:cNvSpPr>
             <a:spLocks noGrp="1"/>
           </p:cNvSpPr>
@@ -693,13 +620,7 @@
       </p:sp>
       <p:sp>
         <p:nvSpPr>
-          <p:cNvPr id="6" name="Slide Number Placeholder 5">
-            <a:extLst>
-              <a:ext uri="{FF2B5EF4-FFF2-40B4-BE49-F238E27FC236}">
-                <a16:creationId xmlns:a16="http://schemas.microsoft.com/office/drawing/2014/main" id="{2CF250F7-4545-2148-A2BA-54031627A262}"/>
-              </a:ext>
-            </a:extLst>
-          </p:cNvPr>
+          <p:cNvPr id="6" name="Slide Number Placeholder 5"/>
           <p:cNvSpPr>
             <a:spLocks noGrp="1"/>
           </p:cNvSpPr>
@@ -723,7 +644,7 @@
     </p:spTree>
     <p:extLst>
       <p:ext uri="{BB962C8B-B14F-4D97-AF65-F5344CB8AC3E}">
-        <p14:creationId xmlns:p14="http://schemas.microsoft.com/office/powerpoint/2010/main" val="3305983183"/>
+        <p14:creationId xmlns:p14="http://schemas.microsoft.com/office/powerpoint/2010/main" val="2170673198"/>
       </p:ext>
     </p:extLst>
   </p:cSld>
@@ -752,13 +673,7 @@
       </p:grpSpPr>
       <p:sp>
         <p:nvSpPr>
-          <p:cNvPr id="2" name="Title 1">
-            <a:extLst>
-              <a:ext uri="{FF2B5EF4-FFF2-40B4-BE49-F238E27FC236}">
-                <a16:creationId xmlns:a16="http://schemas.microsoft.com/office/drawing/2014/main" id="{0DEED259-46DB-094C-B92F-E5E7C360F272}"/>
-              </a:ext>
-            </a:extLst>
-          </p:cNvPr>
+          <p:cNvPr id="2" name="Title 1"/>
           <p:cNvSpPr>
             <a:spLocks noGrp="1"/>
           </p:cNvSpPr>
@@ -775,18 +690,13 @@
               <a:rPr lang="en-US"/>
               <a:t>Click to edit Master title style</a:t>
             </a:r>
-          </a:p>
-        </p:txBody>
-      </p:sp>
-      <p:sp>
-        <p:nvSpPr>
-          <p:cNvPr id="3" name="Content Placeholder 2">
-            <a:extLst>
-              <a:ext uri="{FF2B5EF4-FFF2-40B4-BE49-F238E27FC236}">
-                <a16:creationId xmlns:a16="http://schemas.microsoft.com/office/drawing/2014/main" id="{22165C53-66BA-594E-AD5E-A9744D9E41CC}"/>
-              </a:ext>
-            </a:extLst>
-          </p:cNvPr>
+            <a:endParaRPr lang="en-US" dirty="0"/>
+          </a:p>
+        </p:txBody>
+      </p:sp>
+      <p:sp>
+        <p:nvSpPr>
+          <p:cNvPr id="3" name="Content Placeholder 2"/>
           <p:cNvSpPr>
             <a:spLocks noGrp="1"/>
           </p:cNvSpPr>
@@ -832,18 +742,13 @@
               <a:rPr lang="en-US"/>
               <a:t>Fifth level</a:t>
             </a:r>
-          </a:p>
-        </p:txBody>
-      </p:sp>
-      <p:sp>
-        <p:nvSpPr>
-          <p:cNvPr id="4" name="Date Placeholder 3">
-            <a:extLst>
-              <a:ext uri="{FF2B5EF4-FFF2-40B4-BE49-F238E27FC236}">
-                <a16:creationId xmlns:a16="http://schemas.microsoft.com/office/drawing/2014/main" id="{BE13D681-7402-C84E-AF94-BEBECF05AC0E}"/>
-              </a:ext>
-            </a:extLst>
-          </p:cNvPr>
+            <a:endParaRPr lang="en-US" dirty="0"/>
+          </a:p>
+        </p:txBody>
+      </p:sp>
+      <p:sp>
+        <p:nvSpPr>
+          <p:cNvPr id="4" name="Date Placeholder 3"/>
           <p:cNvSpPr>
             <a:spLocks noGrp="1"/>
           </p:cNvSpPr>
@@ -866,13 +771,7 @@
       </p:sp>
       <p:sp>
         <p:nvSpPr>
-          <p:cNvPr id="5" name="Footer Placeholder 4">
-            <a:extLst>
-              <a:ext uri="{FF2B5EF4-FFF2-40B4-BE49-F238E27FC236}">
-                <a16:creationId xmlns:a16="http://schemas.microsoft.com/office/drawing/2014/main" id="{9260E7D6-AED4-F548-9FA0-200CC1537648}"/>
-              </a:ext>
-            </a:extLst>
-          </p:cNvPr>
+          <p:cNvPr id="5" name="Footer Placeholder 4"/>
           <p:cNvSpPr>
             <a:spLocks noGrp="1"/>
           </p:cNvSpPr>
@@ -891,13 +790,7 @@
       </p:sp>
       <p:sp>
         <p:nvSpPr>
-          <p:cNvPr id="6" name="Slide Number Placeholder 5">
-            <a:extLst>
-              <a:ext uri="{FF2B5EF4-FFF2-40B4-BE49-F238E27FC236}">
-                <a16:creationId xmlns:a16="http://schemas.microsoft.com/office/drawing/2014/main" id="{6846A09B-11C7-8949-A4B5-ECA84B759D7F}"/>
-              </a:ext>
-            </a:extLst>
-          </p:cNvPr>
+          <p:cNvPr id="6" name="Slide Number Placeholder 5"/>
           <p:cNvSpPr>
             <a:spLocks noGrp="1"/>
           </p:cNvSpPr>
@@ -921,7 +814,7 @@
     </p:spTree>
     <p:extLst>
       <p:ext uri="{BB962C8B-B14F-4D97-AF65-F5344CB8AC3E}">
-        <p14:creationId xmlns:p14="http://schemas.microsoft.com/office/powerpoint/2010/main" val="2771461003"/>
+        <p14:creationId xmlns:p14="http://schemas.microsoft.com/office/powerpoint/2010/main" val="1186847380"/>
       </p:ext>
     </p:extLst>
   </p:cSld>
@@ -950,13 +843,7 @@
       </p:grpSpPr>
       <p:sp>
         <p:nvSpPr>
-          <p:cNvPr id="2" name="Title 1">
-            <a:extLst>
-              <a:ext uri="{FF2B5EF4-FFF2-40B4-BE49-F238E27FC236}">
-                <a16:creationId xmlns:a16="http://schemas.microsoft.com/office/drawing/2014/main" id="{95D6F8A0-DD9F-1041-B6F1-DBF845B58209}"/>
-              </a:ext>
-            </a:extLst>
-          </p:cNvPr>
+          <p:cNvPr id="2" name="Title 1"/>
           <p:cNvSpPr>
             <a:spLocks noGrp="1"/>
           </p:cNvSpPr>
@@ -966,15 +853,15 @@
         </p:nvSpPr>
         <p:spPr>
           <a:xfrm>
-            <a:off x="831850" y="1709738"/>
-            <a:ext cx="10515600" cy="2852737"/>
+            <a:off x="831850" y="1025843"/>
+            <a:ext cx="10515600" cy="1711642"/>
           </a:xfrm>
         </p:spPr>
         <p:txBody>
           <a:bodyPr anchor="b"/>
           <a:lstStyle>
             <a:lvl1pPr>
-              <a:defRPr sz="6000"/>
+              <a:defRPr sz="3600"/>
             </a:lvl1pPr>
           </a:lstStyle>
           <a:p>
@@ -982,18 +869,13 @@
               <a:rPr lang="en-US"/>
               <a:t>Click to edit Master title style</a:t>
             </a:r>
-          </a:p>
-        </p:txBody>
-      </p:sp>
-      <p:sp>
-        <p:nvSpPr>
-          <p:cNvPr id="3" name="Text Placeholder 2">
-            <a:extLst>
-              <a:ext uri="{FF2B5EF4-FFF2-40B4-BE49-F238E27FC236}">
-                <a16:creationId xmlns:a16="http://schemas.microsoft.com/office/drawing/2014/main" id="{A03017A0-3D3E-3447-A946-B5C55C090BEE}"/>
-              </a:ext>
-            </a:extLst>
-          </p:cNvPr>
+            <a:endParaRPr lang="en-US" dirty="0"/>
+          </a:p>
+        </p:txBody>
+      </p:sp>
+      <p:sp>
+        <p:nvSpPr>
+          <p:cNvPr id="3" name="Text Placeholder 2"/>
           <p:cNvSpPr>
             <a:spLocks noGrp="1"/>
           </p:cNvSpPr>
@@ -1003,8 +885,8 @@
         </p:nvSpPr>
         <p:spPr>
           <a:xfrm>
-            <a:off x="831850" y="4589463"/>
-            <a:ext cx="10515600" cy="1500187"/>
+            <a:off x="831850" y="2753678"/>
+            <a:ext cx="10515600" cy="900112"/>
           </a:xfrm>
         </p:spPr>
         <p:txBody>
@@ -1012,7 +894,7 @@
           <a:lstStyle>
             <a:lvl1pPr marL="0" indent="0">
               <a:buNone/>
-              <a:defRPr sz="2400">
+              <a:defRPr sz="1440">
                 <a:solidFill>
                   <a:schemeClr val="tx1">
                     <a:tint val="75000"/>
@@ -1020,9 +902,9 @@
                 </a:solidFill>
               </a:defRPr>
             </a:lvl1pPr>
-            <a:lvl2pPr marL="457200" indent="0">
-              <a:buNone/>
-              <a:defRPr sz="2000">
+            <a:lvl2pPr marL="274320" indent="0">
+              <a:buNone/>
+              <a:defRPr sz="1200">
                 <a:solidFill>
                   <a:schemeClr val="tx1">
                     <a:tint val="75000"/>
@@ -1030,9 +912,9 @@
                 </a:solidFill>
               </a:defRPr>
             </a:lvl2pPr>
-            <a:lvl3pPr marL="914400" indent="0">
-              <a:buNone/>
-              <a:defRPr sz="1800">
+            <a:lvl3pPr marL="548640" indent="0">
+              <a:buNone/>
+              <a:defRPr sz="1080">
                 <a:solidFill>
                   <a:schemeClr val="tx1">
                     <a:tint val="75000"/>
@@ -1040,9 +922,9 @@
                 </a:solidFill>
               </a:defRPr>
             </a:lvl3pPr>
-            <a:lvl4pPr marL="1371600" indent="0">
-              <a:buNone/>
-              <a:defRPr sz="1600">
+            <a:lvl4pPr marL="822960" indent="0">
+              <a:buNone/>
+              <a:defRPr sz="960">
                 <a:solidFill>
                   <a:schemeClr val="tx1">
                     <a:tint val="75000"/>
@@ -1050,9 +932,9 @@
                 </a:solidFill>
               </a:defRPr>
             </a:lvl4pPr>
-            <a:lvl5pPr marL="1828800" indent="0">
-              <a:buNone/>
-              <a:defRPr sz="1600">
+            <a:lvl5pPr marL="1097280" indent="0">
+              <a:buNone/>
+              <a:defRPr sz="960">
                 <a:solidFill>
                   <a:schemeClr val="tx1">
                     <a:tint val="75000"/>
@@ -1060,9 +942,9 @@
                 </a:solidFill>
               </a:defRPr>
             </a:lvl5pPr>
-            <a:lvl6pPr marL="2286000" indent="0">
-              <a:buNone/>
-              <a:defRPr sz="1600">
+            <a:lvl6pPr marL="1371600" indent="0">
+              <a:buNone/>
+              <a:defRPr sz="960">
                 <a:solidFill>
                   <a:schemeClr val="tx1">
                     <a:tint val="75000"/>
@@ -1070,9 +952,9 @@
                 </a:solidFill>
               </a:defRPr>
             </a:lvl6pPr>
-            <a:lvl7pPr marL="2743200" indent="0">
-              <a:buNone/>
-              <a:defRPr sz="1600">
+            <a:lvl7pPr marL="1645920" indent="0">
+              <a:buNone/>
+              <a:defRPr sz="960">
                 <a:solidFill>
                   <a:schemeClr val="tx1">
                     <a:tint val="75000"/>
@@ -1080,9 +962,9 @@
                 </a:solidFill>
               </a:defRPr>
             </a:lvl7pPr>
-            <a:lvl8pPr marL="3200400" indent="0">
-              <a:buNone/>
-              <a:defRPr sz="1600">
+            <a:lvl8pPr marL="1920240" indent="0">
+              <a:buNone/>
+              <a:defRPr sz="960">
                 <a:solidFill>
                   <a:schemeClr val="tx1">
                     <a:tint val="75000"/>
@@ -1090,9 +972,9 @@
                 </a:solidFill>
               </a:defRPr>
             </a:lvl8pPr>
-            <a:lvl9pPr marL="3657600" indent="0">
-              <a:buNone/>
-              <a:defRPr sz="1600">
+            <a:lvl9pPr marL="2194560" indent="0">
+              <a:buNone/>
+              <a:defRPr sz="960">
                 <a:solidFill>
                   <a:schemeClr val="tx1">
                     <a:tint val="75000"/>
@@ -1112,13 +994,7 @@
       </p:sp>
       <p:sp>
         <p:nvSpPr>
-          <p:cNvPr id="4" name="Date Placeholder 3">
-            <a:extLst>
-              <a:ext uri="{FF2B5EF4-FFF2-40B4-BE49-F238E27FC236}">
-                <a16:creationId xmlns:a16="http://schemas.microsoft.com/office/drawing/2014/main" id="{28BB87C6-66A5-C84E-8A45-3E7509FB8239}"/>
-              </a:ext>
-            </a:extLst>
-          </p:cNvPr>
+          <p:cNvPr id="4" name="Date Placeholder 3"/>
           <p:cNvSpPr>
             <a:spLocks noGrp="1"/>
           </p:cNvSpPr>
@@ -1141,13 +1017,7 @@
       </p:sp>
       <p:sp>
         <p:nvSpPr>
-          <p:cNvPr id="5" name="Footer Placeholder 4">
-            <a:extLst>
-              <a:ext uri="{FF2B5EF4-FFF2-40B4-BE49-F238E27FC236}">
-                <a16:creationId xmlns:a16="http://schemas.microsoft.com/office/drawing/2014/main" id="{462BC5C5-F97B-8A46-9465-D6FAA2FE2AB7}"/>
-              </a:ext>
-            </a:extLst>
-          </p:cNvPr>
+          <p:cNvPr id="5" name="Footer Placeholder 4"/>
           <p:cNvSpPr>
             <a:spLocks noGrp="1"/>
           </p:cNvSpPr>
@@ -1166,13 +1036,7 @@
       </p:sp>
       <p:sp>
         <p:nvSpPr>
-          <p:cNvPr id="6" name="Slide Number Placeholder 5">
-            <a:extLst>
-              <a:ext uri="{FF2B5EF4-FFF2-40B4-BE49-F238E27FC236}">
-                <a16:creationId xmlns:a16="http://schemas.microsoft.com/office/drawing/2014/main" id="{DD7A7DC5-F6F3-7548-B481-A1DF743E4A69}"/>
-              </a:ext>
-            </a:extLst>
-          </p:cNvPr>
+          <p:cNvPr id="6" name="Slide Number Placeholder 5"/>
           <p:cNvSpPr>
             <a:spLocks noGrp="1"/>
           </p:cNvSpPr>
@@ -1196,7 +1060,7 @@
     </p:spTree>
     <p:extLst>
       <p:ext uri="{BB962C8B-B14F-4D97-AF65-F5344CB8AC3E}">
-        <p14:creationId xmlns:p14="http://schemas.microsoft.com/office/powerpoint/2010/main" val="863617220"/>
+        <p14:creationId xmlns:p14="http://schemas.microsoft.com/office/powerpoint/2010/main" val="3965733522"/>
       </p:ext>
     </p:extLst>
   </p:cSld>
@@ -1225,13 +1089,7 @@
       </p:grpSpPr>
       <p:sp>
         <p:nvSpPr>
-          <p:cNvPr id="2" name="Title 1">
-            <a:extLst>
-              <a:ext uri="{FF2B5EF4-FFF2-40B4-BE49-F238E27FC236}">
-                <a16:creationId xmlns:a16="http://schemas.microsoft.com/office/drawing/2014/main" id="{8A43EFF8-9CA4-D945-A804-16068E185C88}"/>
-              </a:ext>
-            </a:extLst>
-          </p:cNvPr>
+          <p:cNvPr id="2" name="Title 1"/>
           <p:cNvSpPr>
             <a:spLocks noGrp="1"/>
           </p:cNvSpPr>
@@ -1248,18 +1106,13 @@
               <a:rPr lang="en-US"/>
               <a:t>Click to edit Master title style</a:t>
             </a:r>
-          </a:p>
-        </p:txBody>
-      </p:sp>
-      <p:sp>
-        <p:nvSpPr>
-          <p:cNvPr id="3" name="Content Placeholder 2">
-            <a:extLst>
-              <a:ext uri="{FF2B5EF4-FFF2-40B4-BE49-F238E27FC236}">
-                <a16:creationId xmlns:a16="http://schemas.microsoft.com/office/drawing/2014/main" id="{1EB5D3D5-CA03-1B4B-AE7E-C57B88F42A98}"/>
-              </a:ext>
-            </a:extLst>
-          </p:cNvPr>
+            <a:endParaRPr lang="en-US" dirty="0"/>
+          </a:p>
+        </p:txBody>
+      </p:sp>
+      <p:sp>
+        <p:nvSpPr>
+          <p:cNvPr id="3" name="Content Placeholder 2"/>
           <p:cNvSpPr>
             <a:spLocks noGrp="1"/>
           </p:cNvSpPr>
@@ -1269,8 +1122,8 @@
         </p:nvSpPr>
         <p:spPr>
           <a:xfrm>
-            <a:off x="838200" y="1825625"/>
-            <a:ext cx="5181600" cy="4351338"/>
+            <a:off x="838200" y="1095375"/>
+            <a:ext cx="5181600" cy="2610803"/>
           </a:xfrm>
         </p:spPr>
         <p:txBody>
@@ -1310,18 +1163,13 @@
               <a:rPr lang="en-US"/>
               <a:t>Fifth level</a:t>
             </a:r>
-          </a:p>
-        </p:txBody>
-      </p:sp>
-      <p:sp>
-        <p:nvSpPr>
-          <p:cNvPr id="4" name="Content Placeholder 3">
-            <a:extLst>
-              <a:ext uri="{FF2B5EF4-FFF2-40B4-BE49-F238E27FC236}">
-                <a16:creationId xmlns:a16="http://schemas.microsoft.com/office/drawing/2014/main" id="{C49750D0-CEEB-834D-BA22-F64D38563081}"/>
-              </a:ext>
-            </a:extLst>
-          </p:cNvPr>
+            <a:endParaRPr lang="en-US" dirty="0"/>
+          </a:p>
+        </p:txBody>
+      </p:sp>
+      <p:sp>
+        <p:nvSpPr>
+          <p:cNvPr id="4" name="Content Placeholder 3"/>
           <p:cNvSpPr>
             <a:spLocks noGrp="1"/>
           </p:cNvSpPr>
@@ -1331,8 +1179,8 @@
         </p:nvSpPr>
         <p:spPr>
           <a:xfrm>
-            <a:off x="6172200" y="1825625"/>
-            <a:ext cx="5181600" cy="4351338"/>
+            <a:off x="6172200" y="1095375"/>
+            <a:ext cx="5181600" cy="2610803"/>
           </a:xfrm>
         </p:spPr>
         <p:txBody>
@@ -1372,18 +1220,13 @@
               <a:rPr lang="en-US"/>
               <a:t>Fifth level</a:t>
             </a:r>
-          </a:p>
-        </p:txBody>
-      </p:sp>
-      <p:sp>
-        <p:nvSpPr>
-          <p:cNvPr id="5" name="Date Placeholder 4">
-            <a:extLst>
-              <a:ext uri="{FF2B5EF4-FFF2-40B4-BE49-F238E27FC236}">
-                <a16:creationId xmlns:a16="http://schemas.microsoft.com/office/drawing/2014/main" id="{C0E66B60-68B1-4D42-9408-29A8FCD16166}"/>
-              </a:ext>
-            </a:extLst>
-          </p:cNvPr>
+            <a:endParaRPr lang="en-US" dirty="0"/>
+          </a:p>
+        </p:txBody>
+      </p:sp>
+      <p:sp>
+        <p:nvSpPr>
+          <p:cNvPr id="5" name="Date Placeholder 4"/>
           <p:cNvSpPr>
             <a:spLocks noGrp="1"/>
           </p:cNvSpPr>
@@ -1406,13 +1249,7 @@
       </p:sp>
       <p:sp>
         <p:nvSpPr>
-          <p:cNvPr id="6" name="Footer Placeholder 5">
-            <a:extLst>
-              <a:ext uri="{FF2B5EF4-FFF2-40B4-BE49-F238E27FC236}">
-                <a16:creationId xmlns:a16="http://schemas.microsoft.com/office/drawing/2014/main" id="{233B6BA5-B49E-404C-AE09-892DC4231626}"/>
-              </a:ext>
-            </a:extLst>
-          </p:cNvPr>
+          <p:cNvPr id="6" name="Footer Placeholder 5"/>
           <p:cNvSpPr>
             <a:spLocks noGrp="1"/>
           </p:cNvSpPr>
@@ -1431,13 +1268,7 @@
       </p:sp>
       <p:sp>
         <p:nvSpPr>
-          <p:cNvPr id="7" name="Slide Number Placeholder 6">
-            <a:extLst>
-              <a:ext uri="{FF2B5EF4-FFF2-40B4-BE49-F238E27FC236}">
-                <a16:creationId xmlns:a16="http://schemas.microsoft.com/office/drawing/2014/main" id="{7E9B2FBE-3DC2-864E-B210-34BD9A64C8C9}"/>
-              </a:ext>
-            </a:extLst>
-          </p:cNvPr>
+          <p:cNvPr id="7" name="Slide Number Placeholder 6"/>
           <p:cNvSpPr>
             <a:spLocks noGrp="1"/>
           </p:cNvSpPr>
@@ -1461,7 +1292,7 @@
     </p:spTree>
     <p:extLst>
       <p:ext uri="{BB962C8B-B14F-4D97-AF65-F5344CB8AC3E}">
-        <p14:creationId xmlns:p14="http://schemas.microsoft.com/office/powerpoint/2010/main" val="1373325974"/>
+        <p14:creationId xmlns:p14="http://schemas.microsoft.com/office/powerpoint/2010/main" val="1266857440"/>
       </p:ext>
     </p:extLst>
   </p:cSld>
@@ -1490,13 +1321,7 @@
       </p:grpSpPr>
       <p:sp>
         <p:nvSpPr>
-          <p:cNvPr id="2" name="Title 1">
-            <a:extLst>
-              <a:ext uri="{FF2B5EF4-FFF2-40B4-BE49-F238E27FC236}">
-                <a16:creationId xmlns:a16="http://schemas.microsoft.com/office/drawing/2014/main" id="{A17DC672-1A9D-C045-A6BD-EE9724A7C737}"/>
-              </a:ext>
-            </a:extLst>
-          </p:cNvPr>
+          <p:cNvPr id="2" name="Title 1"/>
           <p:cNvSpPr>
             <a:spLocks noGrp="1"/>
           </p:cNvSpPr>
@@ -1506,8 +1331,8 @@
         </p:nvSpPr>
         <p:spPr>
           <a:xfrm>
-            <a:off x="839788" y="365125"/>
-            <a:ext cx="10515600" cy="1325563"/>
+            <a:off x="839788" y="219075"/>
+            <a:ext cx="10515600" cy="795338"/>
           </a:xfrm>
         </p:spPr>
         <p:txBody>
@@ -1518,18 +1343,13 @@
               <a:rPr lang="en-US"/>
               <a:t>Click to edit Master title style</a:t>
             </a:r>
-          </a:p>
-        </p:txBody>
-      </p:sp>
-      <p:sp>
-        <p:nvSpPr>
-          <p:cNvPr id="3" name="Text Placeholder 2">
-            <a:extLst>
-              <a:ext uri="{FF2B5EF4-FFF2-40B4-BE49-F238E27FC236}">
-                <a16:creationId xmlns:a16="http://schemas.microsoft.com/office/drawing/2014/main" id="{C4115F70-CDCD-D142-9494-8F530C87D905}"/>
-              </a:ext>
-            </a:extLst>
-          </p:cNvPr>
+            <a:endParaRPr lang="en-US" dirty="0"/>
+          </a:p>
+        </p:txBody>
+      </p:sp>
+      <p:sp>
+        <p:nvSpPr>
+          <p:cNvPr id="3" name="Text Placeholder 2"/>
           <p:cNvSpPr>
             <a:spLocks noGrp="1"/>
           </p:cNvSpPr>
@@ -1539,8 +1359,8 @@
         </p:nvSpPr>
         <p:spPr>
           <a:xfrm>
-            <a:off x="839788" y="1681163"/>
-            <a:ext cx="5157787" cy="823912"/>
+            <a:off x="839789" y="1008698"/>
+            <a:ext cx="5157787" cy="494347"/>
           </a:xfrm>
         </p:spPr>
         <p:txBody>
@@ -1548,39 +1368,39 @@
           <a:lstStyle>
             <a:lvl1pPr marL="0" indent="0">
               <a:buNone/>
-              <a:defRPr sz="2400" b="1"/>
+              <a:defRPr sz="1440" b="1"/>
             </a:lvl1pPr>
-            <a:lvl2pPr marL="457200" indent="0">
-              <a:buNone/>
-              <a:defRPr sz="2000" b="1"/>
+            <a:lvl2pPr marL="274320" indent="0">
+              <a:buNone/>
+              <a:defRPr sz="1200" b="1"/>
             </a:lvl2pPr>
-            <a:lvl3pPr marL="914400" indent="0">
-              <a:buNone/>
-              <a:defRPr sz="1800" b="1"/>
+            <a:lvl3pPr marL="548640" indent="0">
+              <a:buNone/>
+              <a:defRPr sz="1080" b="1"/>
             </a:lvl3pPr>
-            <a:lvl4pPr marL="1371600" indent="0">
-              <a:buNone/>
-              <a:defRPr sz="1600" b="1"/>
+            <a:lvl4pPr marL="822960" indent="0">
+              <a:buNone/>
+              <a:defRPr sz="960" b="1"/>
             </a:lvl4pPr>
-            <a:lvl5pPr marL="1828800" indent="0">
-              <a:buNone/>
-              <a:defRPr sz="1600" b="1"/>
+            <a:lvl5pPr marL="1097280" indent="0">
+              <a:buNone/>
+              <a:defRPr sz="960" b="1"/>
             </a:lvl5pPr>
-            <a:lvl6pPr marL="2286000" indent="0">
-              <a:buNone/>
-              <a:defRPr sz="1600" b="1"/>
+            <a:lvl6pPr marL="1371600" indent="0">
+              <a:buNone/>
+              <a:defRPr sz="960" b="1"/>
             </a:lvl6pPr>
-            <a:lvl7pPr marL="2743200" indent="0">
-              <a:buNone/>
-              <a:defRPr sz="1600" b="1"/>
+            <a:lvl7pPr marL="1645920" indent="0">
+              <a:buNone/>
+              <a:defRPr sz="960" b="1"/>
             </a:lvl7pPr>
-            <a:lvl8pPr marL="3200400" indent="0">
-              <a:buNone/>
-              <a:defRPr sz="1600" b="1"/>
+            <a:lvl8pPr marL="1920240" indent="0">
+              <a:buNone/>
+              <a:defRPr sz="960" b="1"/>
             </a:lvl8pPr>
-            <a:lvl9pPr marL="3657600" indent="0">
-              <a:buNone/>
-              <a:defRPr sz="1600" b="1"/>
+            <a:lvl9pPr marL="2194560" indent="0">
+              <a:buNone/>
+              <a:defRPr sz="960" b="1"/>
             </a:lvl9pPr>
           </a:lstStyle>
           <a:p>
@@ -1594,13 +1414,7 @@
       </p:sp>
       <p:sp>
         <p:nvSpPr>
-          <p:cNvPr id="4" name="Content Placeholder 3">
-            <a:extLst>
-              <a:ext uri="{FF2B5EF4-FFF2-40B4-BE49-F238E27FC236}">
-                <a16:creationId xmlns:a16="http://schemas.microsoft.com/office/drawing/2014/main" id="{70109329-EB08-5C41-8BD5-3294D1F93D09}"/>
-              </a:ext>
-            </a:extLst>
-          </p:cNvPr>
+          <p:cNvPr id="4" name="Content Placeholder 3"/>
           <p:cNvSpPr>
             <a:spLocks noGrp="1"/>
           </p:cNvSpPr>
@@ -1610,8 +1424,8 @@
         </p:nvSpPr>
         <p:spPr>
           <a:xfrm>
-            <a:off x="839788" y="2505075"/>
-            <a:ext cx="5157787" cy="3684588"/>
+            <a:off x="839789" y="1503045"/>
+            <a:ext cx="5157787" cy="2210753"/>
           </a:xfrm>
         </p:spPr>
         <p:txBody>
@@ -1651,18 +1465,13 @@
               <a:rPr lang="en-US"/>
               <a:t>Fifth level</a:t>
             </a:r>
-          </a:p>
-        </p:txBody>
-      </p:sp>
-      <p:sp>
-        <p:nvSpPr>
-          <p:cNvPr id="5" name="Text Placeholder 4">
-            <a:extLst>
-              <a:ext uri="{FF2B5EF4-FFF2-40B4-BE49-F238E27FC236}">
-                <a16:creationId xmlns:a16="http://schemas.microsoft.com/office/drawing/2014/main" id="{E976E59E-A4BD-F140-8D02-746F0E0C5715}"/>
-              </a:ext>
-            </a:extLst>
-          </p:cNvPr>
+            <a:endParaRPr lang="en-US" dirty="0"/>
+          </a:p>
+        </p:txBody>
+      </p:sp>
+      <p:sp>
+        <p:nvSpPr>
+          <p:cNvPr id="5" name="Text Placeholder 4"/>
           <p:cNvSpPr>
             <a:spLocks noGrp="1"/>
           </p:cNvSpPr>
@@ -1672,8 +1481,8 @@
         </p:nvSpPr>
         <p:spPr>
           <a:xfrm>
-            <a:off x="6172200" y="1681163"/>
-            <a:ext cx="5183188" cy="823912"/>
+            <a:off x="6172200" y="1008698"/>
+            <a:ext cx="5183188" cy="494347"/>
           </a:xfrm>
         </p:spPr>
         <p:txBody>
@@ -1681,39 +1490,39 @@
           <a:lstStyle>
             <a:lvl1pPr marL="0" indent="0">
               <a:buNone/>
-              <a:defRPr sz="2400" b="1"/>
+              <a:defRPr sz="1440" b="1"/>
             </a:lvl1pPr>
-            <a:lvl2pPr marL="457200" indent="0">
-              <a:buNone/>
-              <a:defRPr sz="2000" b="1"/>
+            <a:lvl2pPr marL="274320" indent="0">
+              <a:buNone/>
+              <a:defRPr sz="1200" b="1"/>
             </a:lvl2pPr>
-            <a:lvl3pPr marL="914400" indent="0">
-              <a:buNone/>
-              <a:defRPr sz="1800" b="1"/>
+            <a:lvl3pPr marL="548640" indent="0">
+              <a:buNone/>
+              <a:defRPr sz="1080" b="1"/>
             </a:lvl3pPr>
-            <a:lvl4pPr marL="1371600" indent="0">
-              <a:buNone/>
-              <a:defRPr sz="1600" b="1"/>
+            <a:lvl4pPr marL="822960" indent="0">
+              <a:buNone/>
+              <a:defRPr sz="960" b="1"/>
             </a:lvl4pPr>
-            <a:lvl5pPr marL="1828800" indent="0">
-              <a:buNone/>
-              <a:defRPr sz="1600" b="1"/>
+            <a:lvl5pPr marL="1097280" indent="0">
+              <a:buNone/>
+              <a:defRPr sz="960" b="1"/>
             </a:lvl5pPr>
-            <a:lvl6pPr marL="2286000" indent="0">
-              <a:buNone/>
-              <a:defRPr sz="1600" b="1"/>
+            <a:lvl6pPr marL="1371600" indent="0">
+              <a:buNone/>
+              <a:defRPr sz="960" b="1"/>
             </a:lvl6pPr>
-            <a:lvl7pPr marL="2743200" indent="0">
-              <a:buNone/>
-              <a:defRPr sz="1600" b="1"/>
+            <a:lvl7pPr marL="1645920" indent="0">
+              <a:buNone/>
+              <a:defRPr sz="960" b="1"/>
             </a:lvl7pPr>
-            <a:lvl8pPr marL="3200400" indent="0">
-              <a:buNone/>
-              <a:defRPr sz="1600" b="1"/>
+            <a:lvl8pPr marL="1920240" indent="0">
+              <a:buNone/>
+              <a:defRPr sz="960" b="1"/>
             </a:lvl8pPr>
-            <a:lvl9pPr marL="3657600" indent="0">
-              <a:buNone/>
-              <a:defRPr sz="1600" b="1"/>
+            <a:lvl9pPr marL="2194560" indent="0">
+              <a:buNone/>
+              <a:defRPr sz="960" b="1"/>
             </a:lvl9pPr>
           </a:lstStyle>
           <a:p>
@@ -1727,13 +1536,7 @@
       </p:sp>
       <p:sp>
         <p:nvSpPr>
-          <p:cNvPr id="6" name="Content Placeholder 5">
-            <a:extLst>
-              <a:ext uri="{FF2B5EF4-FFF2-40B4-BE49-F238E27FC236}">
-                <a16:creationId xmlns:a16="http://schemas.microsoft.com/office/drawing/2014/main" id="{1C6635D3-BC92-4644-BB14-3D6C4F953D25}"/>
-              </a:ext>
-            </a:extLst>
-          </p:cNvPr>
+          <p:cNvPr id="6" name="Content Placeholder 5"/>
           <p:cNvSpPr>
             <a:spLocks noGrp="1"/>
           </p:cNvSpPr>
@@ -1743,8 +1546,8 @@
         </p:nvSpPr>
         <p:spPr>
           <a:xfrm>
-            <a:off x="6172200" y="2505075"/>
-            <a:ext cx="5183188" cy="3684588"/>
+            <a:off x="6172200" y="1503045"/>
+            <a:ext cx="5183188" cy="2210753"/>
           </a:xfrm>
         </p:spPr>
         <p:txBody>
@@ -1784,18 +1587,13 @@
               <a:rPr lang="en-US"/>
               <a:t>Fifth level</a:t>
             </a:r>
-          </a:p>
-        </p:txBody>
-      </p:sp>
-      <p:sp>
-        <p:nvSpPr>
-          <p:cNvPr id="7" name="Date Placeholder 6">
-            <a:extLst>
-              <a:ext uri="{FF2B5EF4-FFF2-40B4-BE49-F238E27FC236}">
-                <a16:creationId xmlns:a16="http://schemas.microsoft.com/office/drawing/2014/main" id="{36DEB566-460F-944B-9C38-D31CFAAD94D8}"/>
-              </a:ext>
-            </a:extLst>
-          </p:cNvPr>
+            <a:endParaRPr lang="en-US" dirty="0"/>
+          </a:p>
+        </p:txBody>
+      </p:sp>
+      <p:sp>
+        <p:nvSpPr>
+          <p:cNvPr id="7" name="Date Placeholder 6"/>
           <p:cNvSpPr>
             <a:spLocks noGrp="1"/>
           </p:cNvSpPr>
@@ -1818,13 +1616,7 @@
       </p:sp>
       <p:sp>
         <p:nvSpPr>
-          <p:cNvPr id="8" name="Footer Placeholder 7">
-            <a:extLst>
-              <a:ext uri="{FF2B5EF4-FFF2-40B4-BE49-F238E27FC236}">
-                <a16:creationId xmlns:a16="http://schemas.microsoft.com/office/drawing/2014/main" id="{B553B241-07B4-AE4D-B616-C00797E2A6A4}"/>
-              </a:ext>
-            </a:extLst>
-          </p:cNvPr>
+          <p:cNvPr id="8" name="Footer Placeholder 7"/>
           <p:cNvSpPr>
             <a:spLocks noGrp="1"/>
           </p:cNvSpPr>
@@ -1843,13 +1635,7 @@
       </p:sp>
       <p:sp>
         <p:nvSpPr>
-          <p:cNvPr id="9" name="Slide Number Placeholder 8">
-            <a:extLst>
-              <a:ext uri="{FF2B5EF4-FFF2-40B4-BE49-F238E27FC236}">
-                <a16:creationId xmlns:a16="http://schemas.microsoft.com/office/drawing/2014/main" id="{ACC85754-46C0-824E-877E-282229780A4B}"/>
-              </a:ext>
-            </a:extLst>
-          </p:cNvPr>
+          <p:cNvPr id="9" name="Slide Number Placeholder 8"/>
           <p:cNvSpPr>
             <a:spLocks noGrp="1"/>
           </p:cNvSpPr>
@@ -1873,7 +1659,7 @@
     </p:spTree>
     <p:extLst>
       <p:ext uri="{BB962C8B-B14F-4D97-AF65-F5344CB8AC3E}">
-        <p14:creationId xmlns:p14="http://schemas.microsoft.com/office/powerpoint/2010/main" val="82844176"/>
+        <p14:creationId xmlns:p14="http://schemas.microsoft.com/office/powerpoint/2010/main" val="3428354559"/>
       </p:ext>
     </p:extLst>
   </p:cSld>
@@ -1902,13 +1688,7 @@
       </p:grpSpPr>
       <p:sp>
         <p:nvSpPr>
-          <p:cNvPr id="2" name="Title 1">
-            <a:extLst>
-              <a:ext uri="{FF2B5EF4-FFF2-40B4-BE49-F238E27FC236}">
-                <a16:creationId xmlns:a16="http://schemas.microsoft.com/office/drawing/2014/main" id="{C604E2FE-2526-0D48-9FEB-B0A3B9AAF2D0}"/>
-              </a:ext>
-            </a:extLst>
-          </p:cNvPr>
+          <p:cNvPr id="2" name="Title 1"/>
           <p:cNvSpPr>
             <a:spLocks noGrp="1"/>
           </p:cNvSpPr>
@@ -1925,18 +1705,13 @@
               <a:rPr lang="en-US"/>
               <a:t>Click to edit Master title style</a:t>
             </a:r>
-          </a:p>
-        </p:txBody>
-      </p:sp>
-      <p:sp>
-        <p:nvSpPr>
-          <p:cNvPr id="3" name="Date Placeholder 2">
-            <a:extLst>
-              <a:ext uri="{FF2B5EF4-FFF2-40B4-BE49-F238E27FC236}">
-                <a16:creationId xmlns:a16="http://schemas.microsoft.com/office/drawing/2014/main" id="{D0C3019D-194C-E642-B766-122FE33D1FA8}"/>
-              </a:ext>
-            </a:extLst>
-          </p:cNvPr>
+            <a:endParaRPr lang="en-US" dirty="0"/>
+          </a:p>
+        </p:txBody>
+      </p:sp>
+      <p:sp>
+        <p:nvSpPr>
+          <p:cNvPr id="3" name="Date Placeholder 2"/>
           <p:cNvSpPr>
             <a:spLocks noGrp="1"/>
           </p:cNvSpPr>
@@ -1959,13 +1734,7 @@
       </p:sp>
       <p:sp>
         <p:nvSpPr>
-          <p:cNvPr id="4" name="Footer Placeholder 3">
-            <a:extLst>
-              <a:ext uri="{FF2B5EF4-FFF2-40B4-BE49-F238E27FC236}">
-                <a16:creationId xmlns:a16="http://schemas.microsoft.com/office/drawing/2014/main" id="{E2CFFE8C-BCC3-F249-8481-F600C0153C3A}"/>
-              </a:ext>
-            </a:extLst>
-          </p:cNvPr>
+          <p:cNvPr id="4" name="Footer Placeholder 3"/>
           <p:cNvSpPr>
             <a:spLocks noGrp="1"/>
           </p:cNvSpPr>
@@ -1984,13 +1753,7 @@
       </p:sp>
       <p:sp>
         <p:nvSpPr>
-          <p:cNvPr id="5" name="Slide Number Placeholder 4">
-            <a:extLst>
-              <a:ext uri="{FF2B5EF4-FFF2-40B4-BE49-F238E27FC236}">
-                <a16:creationId xmlns:a16="http://schemas.microsoft.com/office/drawing/2014/main" id="{A1CCF908-5B33-9E4F-802C-6D570E90B401}"/>
-              </a:ext>
-            </a:extLst>
-          </p:cNvPr>
+          <p:cNvPr id="5" name="Slide Number Placeholder 4"/>
           <p:cNvSpPr>
             <a:spLocks noGrp="1"/>
           </p:cNvSpPr>
@@ -2014,7 +1777,7 @@
     </p:spTree>
     <p:extLst>
       <p:ext uri="{BB962C8B-B14F-4D97-AF65-F5344CB8AC3E}">
-        <p14:creationId xmlns:p14="http://schemas.microsoft.com/office/powerpoint/2010/main" val="90762716"/>
+        <p14:creationId xmlns:p14="http://schemas.microsoft.com/office/powerpoint/2010/main" val="478409795"/>
       </p:ext>
     </p:extLst>
   </p:cSld>
@@ -2043,13 +1806,7 @@
       </p:grpSpPr>
       <p:sp>
         <p:nvSpPr>
-          <p:cNvPr id="2" name="Date Placeholder 1">
-            <a:extLst>
-              <a:ext uri="{FF2B5EF4-FFF2-40B4-BE49-F238E27FC236}">
-                <a16:creationId xmlns:a16="http://schemas.microsoft.com/office/drawing/2014/main" id="{9E40C056-987F-0B49-8C89-13A0C7384999}"/>
-              </a:ext>
-            </a:extLst>
-          </p:cNvPr>
+          <p:cNvPr id="2" name="Date Placeholder 1"/>
           <p:cNvSpPr>
             <a:spLocks noGrp="1"/>
           </p:cNvSpPr>
@@ -2072,13 +1829,7 @@
       </p:sp>
       <p:sp>
         <p:nvSpPr>
-          <p:cNvPr id="3" name="Footer Placeholder 2">
-            <a:extLst>
-              <a:ext uri="{FF2B5EF4-FFF2-40B4-BE49-F238E27FC236}">
-                <a16:creationId xmlns:a16="http://schemas.microsoft.com/office/drawing/2014/main" id="{5674665F-F045-724C-AFAC-D3DE32ACF80C}"/>
-              </a:ext>
-            </a:extLst>
-          </p:cNvPr>
+          <p:cNvPr id="3" name="Footer Placeholder 2"/>
           <p:cNvSpPr>
             <a:spLocks noGrp="1"/>
           </p:cNvSpPr>
@@ -2097,13 +1848,7 @@
       </p:sp>
       <p:sp>
         <p:nvSpPr>
-          <p:cNvPr id="4" name="Slide Number Placeholder 3">
-            <a:extLst>
-              <a:ext uri="{FF2B5EF4-FFF2-40B4-BE49-F238E27FC236}">
-                <a16:creationId xmlns:a16="http://schemas.microsoft.com/office/drawing/2014/main" id="{CBF59E55-9650-EE49-8EF5-66962270C847}"/>
-              </a:ext>
-            </a:extLst>
-          </p:cNvPr>
+          <p:cNvPr id="4" name="Slide Number Placeholder 3"/>
           <p:cNvSpPr>
             <a:spLocks noGrp="1"/>
           </p:cNvSpPr>
@@ -2127,7 +1872,7 @@
     </p:spTree>
     <p:extLst>
       <p:ext uri="{BB962C8B-B14F-4D97-AF65-F5344CB8AC3E}">
-        <p14:creationId xmlns:p14="http://schemas.microsoft.com/office/powerpoint/2010/main" val="1676749303"/>
+        <p14:creationId xmlns:p14="http://schemas.microsoft.com/office/powerpoint/2010/main" val="3189101546"/>
       </p:ext>
     </p:extLst>
   </p:cSld>
@@ -2156,13 +1901,7 @@
       </p:grpSpPr>
       <p:sp>
         <p:nvSpPr>
-          <p:cNvPr id="2" name="Title 1">
-            <a:extLst>
-              <a:ext uri="{FF2B5EF4-FFF2-40B4-BE49-F238E27FC236}">
-                <a16:creationId xmlns:a16="http://schemas.microsoft.com/office/drawing/2014/main" id="{709F38BB-AC14-9649-862A-765DA3FC2CA3}"/>
-              </a:ext>
-            </a:extLst>
-          </p:cNvPr>
+          <p:cNvPr id="2" name="Title 1"/>
           <p:cNvSpPr>
             <a:spLocks noGrp="1"/>
           </p:cNvSpPr>
@@ -2172,15 +1911,15 @@
         </p:nvSpPr>
         <p:spPr>
           <a:xfrm>
-            <a:off x="839788" y="457200"/>
-            <a:ext cx="3932237" cy="1600200"/>
+            <a:off x="839789" y="274320"/>
+            <a:ext cx="3932237" cy="960120"/>
           </a:xfrm>
         </p:spPr>
         <p:txBody>
           <a:bodyPr anchor="b"/>
           <a:lstStyle>
             <a:lvl1pPr>
-              <a:defRPr sz="3200"/>
+              <a:defRPr sz="1920"/>
             </a:lvl1pPr>
           </a:lstStyle>
           <a:p>
@@ -2188,18 +1927,13 @@
               <a:rPr lang="en-US"/>
               <a:t>Click to edit Master title style</a:t>
             </a:r>
-          </a:p>
-        </p:txBody>
-      </p:sp>
-      <p:sp>
-        <p:nvSpPr>
-          <p:cNvPr id="3" name="Content Placeholder 2">
-            <a:extLst>
-              <a:ext uri="{FF2B5EF4-FFF2-40B4-BE49-F238E27FC236}">
-                <a16:creationId xmlns:a16="http://schemas.microsoft.com/office/drawing/2014/main" id="{D0F74CB3-61EE-4C4A-BA4D-D60A397DDC95}"/>
-              </a:ext>
-            </a:extLst>
-          </p:cNvPr>
+            <a:endParaRPr lang="en-US" dirty="0"/>
+          </a:p>
+        </p:txBody>
+      </p:sp>
+      <p:sp>
+        <p:nvSpPr>
+          <p:cNvPr id="3" name="Content Placeholder 2"/>
           <p:cNvSpPr>
             <a:spLocks noGrp="1"/>
           </p:cNvSpPr>
@@ -2209,39 +1943,39 @@
         </p:nvSpPr>
         <p:spPr>
           <a:xfrm>
-            <a:off x="5183188" y="987425"/>
-            <a:ext cx="6172200" cy="4873625"/>
+            <a:off x="5183188" y="592455"/>
+            <a:ext cx="6172200" cy="2924175"/>
           </a:xfrm>
         </p:spPr>
         <p:txBody>
           <a:bodyPr/>
           <a:lstStyle>
             <a:lvl1pPr>
-              <a:defRPr sz="3200"/>
+              <a:defRPr sz="1920"/>
             </a:lvl1pPr>
             <a:lvl2pPr>
-              <a:defRPr sz="2800"/>
+              <a:defRPr sz="1680"/>
             </a:lvl2pPr>
             <a:lvl3pPr>
-              <a:defRPr sz="2400"/>
+              <a:defRPr sz="1440"/>
             </a:lvl3pPr>
             <a:lvl4pPr>
-              <a:defRPr sz="2000"/>
+              <a:defRPr sz="1200"/>
             </a:lvl4pPr>
             <a:lvl5pPr>
-              <a:defRPr sz="2000"/>
+              <a:defRPr sz="1200"/>
             </a:lvl5pPr>
             <a:lvl6pPr>
-              <a:defRPr sz="2000"/>
+              <a:defRPr sz="1200"/>
             </a:lvl6pPr>
             <a:lvl7pPr>
-              <a:defRPr sz="2000"/>
+              <a:defRPr sz="1200"/>
             </a:lvl7pPr>
             <a:lvl8pPr>
-              <a:defRPr sz="2000"/>
+              <a:defRPr sz="1200"/>
             </a:lvl8pPr>
             <a:lvl9pPr>
-              <a:defRPr sz="2000"/>
+              <a:defRPr sz="1200"/>
             </a:lvl9pPr>
           </a:lstStyle>
           <a:p>
@@ -2278,18 +2012,13 @@
               <a:rPr lang="en-US"/>
               <a:t>Fifth level</a:t>
             </a:r>
-          </a:p>
-        </p:txBody>
-      </p:sp>
-      <p:sp>
-        <p:nvSpPr>
-          <p:cNvPr id="4" name="Text Placeholder 3">
-            <a:extLst>
-              <a:ext uri="{FF2B5EF4-FFF2-40B4-BE49-F238E27FC236}">
-                <a16:creationId xmlns:a16="http://schemas.microsoft.com/office/drawing/2014/main" id="{FE012290-941D-7A42-82AF-1FB8A6ABBF25}"/>
-              </a:ext>
-            </a:extLst>
-          </p:cNvPr>
+            <a:endParaRPr lang="en-US" dirty="0"/>
+          </a:p>
+        </p:txBody>
+      </p:sp>
+      <p:sp>
+        <p:nvSpPr>
+          <p:cNvPr id="4" name="Text Placeholder 3"/>
           <p:cNvSpPr>
             <a:spLocks noGrp="1"/>
           </p:cNvSpPr>
@@ -2299,8 +2028,8 @@
         </p:nvSpPr>
         <p:spPr>
           <a:xfrm>
-            <a:off x="839788" y="2057400"/>
-            <a:ext cx="3932237" cy="3811588"/>
+            <a:off x="839789" y="1234440"/>
+            <a:ext cx="3932237" cy="2286953"/>
           </a:xfrm>
         </p:spPr>
         <p:txBody>
@@ -2308,39 +2037,39 @@
           <a:lstStyle>
             <a:lvl1pPr marL="0" indent="0">
               <a:buNone/>
-              <a:defRPr sz="1600"/>
+              <a:defRPr sz="960"/>
             </a:lvl1pPr>
-            <a:lvl2pPr marL="457200" indent="0">
-              <a:buNone/>
-              <a:defRPr sz="1400"/>
+            <a:lvl2pPr marL="274320" indent="0">
+              <a:buNone/>
+              <a:defRPr sz="840"/>
             </a:lvl2pPr>
-            <a:lvl3pPr marL="914400" indent="0">
-              <a:buNone/>
-              <a:defRPr sz="1200"/>
+            <a:lvl3pPr marL="548640" indent="0">
+              <a:buNone/>
+              <a:defRPr sz="720"/>
             </a:lvl3pPr>
-            <a:lvl4pPr marL="1371600" indent="0">
-              <a:buNone/>
-              <a:defRPr sz="1000"/>
+            <a:lvl4pPr marL="822960" indent="0">
+              <a:buNone/>
+              <a:defRPr sz="600"/>
             </a:lvl4pPr>
-            <a:lvl5pPr marL="1828800" indent="0">
-              <a:buNone/>
-              <a:defRPr sz="1000"/>
+            <a:lvl5pPr marL="1097280" indent="0">
+              <a:buNone/>
+              <a:defRPr sz="600"/>
             </a:lvl5pPr>
-            <a:lvl6pPr marL="2286000" indent="0">
-              <a:buNone/>
-              <a:defRPr sz="1000"/>
+            <a:lvl6pPr marL="1371600" indent="0">
+              <a:buNone/>
+              <a:defRPr sz="600"/>
             </a:lvl6pPr>
-            <a:lvl7pPr marL="2743200" indent="0">
-              <a:buNone/>
-              <a:defRPr sz="1000"/>
+            <a:lvl7pPr marL="1645920" indent="0">
+              <a:buNone/>
+              <a:defRPr sz="600"/>
             </a:lvl7pPr>
-            <a:lvl8pPr marL="3200400" indent="0">
-              <a:buNone/>
-              <a:defRPr sz="1000"/>
+            <a:lvl8pPr marL="1920240" indent="0">
+              <a:buNone/>
+              <a:defRPr sz="600"/>
             </a:lvl8pPr>
-            <a:lvl9pPr marL="3657600" indent="0">
-              <a:buNone/>
-              <a:defRPr sz="1000"/>
+            <a:lvl9pPr marL="2194560" indent="0">
+              <a:buNone/>
+              <a:defRPr sz="600"/>
             </a:lvl9pPr>
           </a:lstStyle>
           <a:p>
@@ -2354,13 +2083,7 @@
       </p:sp>
       <p:sp>
         <p:nvSpPr>
-          <p:cNvPr id="5" name="Date Placeholder 4">
-            <a:extLst>
-              <a:ext uri="{FF2B5EF4-FFF2-40B4-BE49-F238E27FC236}">
-                <a16:creationId xmlns:a16="http://schemas.microsoft.com/office/drawing/2014/main" id="{FF9711E4-6A30-404A-9C9C-4FC1C40399AE}"/>
-              </a:ext>
-            </a:extLst>
-          </p:cNvPr>
+          <p:cNvPr id="5" name="Date Placeholder 4"/>
           <p:cNvSpPr>
             <a:spLocks noGrp="1"/>
           </p:cNvSpPr>
@@ -2383,13 +2106,7 @@
       </p:sp>
       <p:sp>
         <p:nvSpPr>
-          <p:cNvPr id="6" name="Footer Placeholder 5">
-            <a:extLst>
-              <a:ext uri="{FF2B5EF4-FFF2-40B4-BE49-F238E27FC236}">
-                <a16:creationId xmlns:a16="http://schemas.microsoft.com/office/drawing/2014/main" id="{C6D65E96-4596-9748-B834-770D8F931A46}"/>
-              </a:ext>
-            </a:extLst>
-          </p:cNvPr>
+          <p:cNvPr id="6" name="Footer Placeholder 5"/>
           <p:cNvSpPr>
             <a:spLocks noGrp="1"/>
           </p:cNvSpPr>
@@ -2408,13 +2125,7 @@
       </p:sp>
       <p:sp>
         <p:nvSpPr>
-          <p:cNvPr id="7" name="Slide Number Placeholder 6">
-            <a:extLst>
-              <a:ext uri="{FF2B5EF4-FFF2-40B4-BE49-F238E27FC236}">
-                <a16:creationId xmlns:a16="http://schemas.microsoft.com/office/drawing/2014/main" id="{CE7FE375-3C79-D440-8145-5609421E8B21}"/>
-              </a:ext>
-            </a:extLst>
-          </p:cNvPr>
+          <p:cNvPr id="7" name="Slide Number Placeholder 6"/>
           <p:cNvSpPr>
             <a:spLocks noGrp="1"/>
           </p:cNvSpPr>
@@ -2438,7 +2149,7 @@
     </p:spTree>
     <p:extLst>
       <p:ext uri="{BB962C8B-B14F-4D97-AF65-F5344CB8AC3E}">
-        <p14:creationId xmlns:p14="http://schemas.microsoft.com/office/powerpoint/2010/main" val="3472482390"/>
+        <p14:creationId xmlns:p14="http://schemas.microsoft.com/office/powerpoint/2010/main" val="3706844001"/>
       </p:ext>
     </p:extLst>
   </p:cSld>
@@ -2467,13 +2178,7 @@
       </p:grpSpPr>
       <p:sp>
         <p:nvSpPr>
-          <p:cNvPr id="2" name="Title 1">
-            <a:extLst>
-              <a:ext uri="{FF2B5EF4-FFF2-40B4-BE49-F238E27FC236}">
-                <a16:creationId xmlns:a16="http://schemas.microsoft.com/office/drawing/2014/main" id="{422FA818-BF50-4C45-B784-790584D89580}"/>
-              </a:ext>
-            </a:extLst>
-          </p:cNvPr>
+          <p:cNvPr id="2" name="Title 1"/>
           <p:cNvSpPr>
             <a:spLocks noGrp="1"/>
           </p:cNvSpPr>
@@ -2483,15 +2188,15 @@
         </p:nvSpPr>
         <p:spPr>
           <a:xfrm>
-            <a:off x="839788" y="457200"/>
-            <a:ext cx="3932237" cy="1600200"/>
+            <a:off x="839789" y="274320"/>
+            <a:ext cx="3932237" cy="960120"/>
           </a:xfrm>
         </p:spPr>
         <p:txBody>
           <a:bodyPr anchor="b"/>
           <a:lstStyle>
             <a:lvl1pPr>
-              <a:defRPr sz="3200"/>
+              <a:defRPr sz="1920"/>
             </a:lvl1pPr>
           </a:lstStyle>
           <a:p>
@@ -2499,20 +2204,15 @@
               <a:rPr lang="en-US"/>
               <a:t>Click to edit Master title style</a:t>
             </a:r>
-          </a:p>
-        </p:txBody>
-      </p:sp>
-      <p:sp>
-        <p:nvSpPr>
-          <p:cNvPr id="3" name="Picture Placeholder 2">
-            <a:extLst>
-              <a:ext uri="{FF2B5EF4-FFF2-40B4-BE49-F238E27FC236}">
-                <a16:creationId xmlns:a16="http://schemas.microsoft.com/office/drawing/2014/main" id="{1E1EB52D-44DD-A246-BADD-30D0CF66884D}"/>
-              </a:ext>
-            </a:extLst>
-          </p:cNvPr>
-          <p:cNvSpPr>
-            <a:spLocks noGrp="1"/>
+            <a:endParaRPr lang="en-US" dirty="0"/>
+          </a:p>
+        </p:txBody>
+      </p:sp>
+      <p:sp>
+        <p:nvSpPr>
+          <p:cNvPr id="3" name="Picture Placeholder 2"/>
+          <p:cNvSpPr>
+            <a:spLocks noGrp="1" noChangeAspect="1"/>
           </p:cNvSpPr>
           <p:nvPr>
             <p:ph type="pic" idx="1"/>
@@ -2520,64 +2220,62 @@
         </p:nvSpPr>
         <p:spPr>
           <a:xfrm>
-            <a:off x="5183188" y="987425"/>
-            <a:ext cx="6172200" cy="4873625"/>
+            <a:off x="5183188" y="592455"/>
+            <a:ext cx="6172200" cy="2924175"/>
           </a:xfrm>
         </p:spPr>
         <p:txBody>
-          <a:bodyPr/>
+          <a:bodyPr anchor="t"/>
           <a:lstStyle>
             <a:lvl1pPr marL="0" indent="0">
               <a:buNone/>
-              <a:defRPr sz="3200"/>
+              <a:defRPr sz="1920"/>
             </a:lvl1pPr>
-            <a:lvl2pPr marL="457200" indent="0">
-              <a:buNone/>
-              <a:defRPr sz="2800"/>
+            <a:lvl2pPr marL="274320" indent="0">
+              <a:buNone/>
+              <a:defRPr sz="1680"/>
             </a:lvl2pPr>
-            <a:lvl3pPr marL="914400" indent="0">
-              <a:buNone/>
-              <a:defRPr sz="2400"/>
+            <a:lvl3pPr marL="548640" indent="0">
+              <a:buNone/>
+              <a:defRPr sz="1440"/>
             </a:lvl3pPr>
-            <a:lvl4pPr marL="1371600" indent="0">
-              <a:buNone/>
-              <a:defRPr sz="2000"/>
+            <a:lvl4pPr marL="822960" indent="0">
+              <a:buNone/>
+              <a:defRPr sz="1200"/>
             </a:lvl4pPr>
-            <a:lvl5pPr marL="1828800" indent="0">
-              <a:buNone/>
-              <a:defRPr sz="2000"/>
+            <a:lvl5pPr marL="1097280" indent="0">
+              <a:buNone/>
+              <a:defRPr sz="1200"/>
             </a:lvl5pPr>
-            <a:lvl6pPr marL="2286000" indent="0">
-              <a:buNone/>
-              <a:defRPr sz="2000"/>
+            <a:lvl6pPr marL="1371600" indent="0">
+              <a:buNone/>
+              <a:defRPr sz="1200"/>
             </a:lvl6pPr>
-            <a:lvl7pPr marL="2743200" indent="0">
-              <a:buNone/>
-              <a:defRPr sz="2000"/>
+            <a:lvl7pPr marL="1645920" indent="0">
+              <a:buNone/>
+              <a:defRPr sz="1200"/>
             </a:lvl7pPr>
-            <a:lvl8pPr marL="3200400" indent="0">
-              <a:buNone/>
-              <a:defRPr sz="2000"/>
+            <a:lvl8pPr marL="1920240" indent="0">
+              <a:buNone/>
+              <a:defRPr sz="1200"/>
             </a:lvl8pPr>
-            <a:lvl9pPr marL="3657600" indent="0">
-              <a:buNone/>
-              <a:defRPr sz="2000"/>
+            <a:lvl9pPr marL="2194560" indent="0">
+              <a:buNone/>
+              <a:defRPr sz="1200"/>
             </a:lvl9pPr>
           </a:lstStyle>
           <a:p>
-            <a:endParaRPr lang="en-US"/>
-          </a:p>
-        </p:txBody>
-      </p:sp>
-      <p:sp>
-        <p:nvSpPr>
-          <p:cNvPr id="4" name="Text Placeholder 3">
-            <a:extLst>
-              <a:ext uri="{FF2B5EF4-FFF2-40B4-BE49-F238E27FC236}">
-                <a16:creationId xmlns:a16="http://schemas.microsoft.com/office/drawing/2014/main" id="{45F6E2FB-4725-0249-B6F1-C950906058CD}"/>
-              </a:ext>
-            </a:extLst>
-          </p:cNvPr>
+            <a:r>
+              <a:rPr lang="en-US"/>
+              <a:t>Click icon to add picture</a:t>
+            </a:r>
+            <a:endParaRPr lang="en-US" dirty="0"/>
+          </a:p>
+        </p:txBody>
+      </p:sp>
+      <p:sp>
+        <p:nvSpPr>
+          <p:cNvPr id="4" name="Text Placeholder 3"/>
           <p:cNvSpPr>
             <a:spLocks noGrp="1"/>
           </p:cNvSpPr>
@@ -2587,8 +2285,8 @@
         </p:nvSpPr>
         <p:spPr>
           <a:xfrm>
-            <a:off x="839788" y="2057400"/>
-            <a:ext cx="3932237" cy="3811588"/>
+            <a:off x="839789" y="1234440"/>
+            <a:ext cx="3932237" cy="2286953"/>
           </a:xfrm>
         </p:spPr>
         <p:txBody>
@@ -2596,39 +2294,39 @@
           <a:lstStyle>
             <a:lvl1pPr marL="0" indent="0">
               <a:buNone/>
-              <a:defRPr sz="1600"/>
+              <a:defRPr sz="960"/>
             </a:lvl1pPr>
-            <a:lvl2pPr marL="457200" indent="0">
-              <a:buNone/>
-              <a:defRPr sz="1400"/>
+            <a:lvl2pPr marL="274320" indent="0">
+              <a:buNone/>
+              <a:defRPr sz="840"/>
             </a:lvl2pPr>
-            <a:lvl3pPr marL="914400" indent="0">
-              <a:buNone/>
-              <a:defRPr sz="1200"/>
+            <a:lvl3pPr marL="548640" indent="0">
+              <a:buNone/>
+              <a:defRPr sz="720"/>
             </a:lvl3pPr>
-            <a:lvl4pPr marL="1371600" indent="0">
-              <a:buNone/>
-              <a:defRPr sz="1000"/>
+            <a:lvl4pPr marL="822960" indent="0">
+              <a:buNone/>
+              <a:defRPr sz="600"/>
             </a:lvl4pPr>
-            <a:lvl5pPr marL="1828800" indent="0">
-              <a:buNone/>
-              <a:defRPr sz="1000"/>
+            <a:lvl5pPr marL="1097280" indent="0">
+              <a:buNone/>
+              <a:defRPr sz="600"/>
             </a:lvl5pPr>
-            <a:lvl6pPr marL="2286000" indent="0">
-              <a:buNone/>
-              <a:defRPr sz="1000"/>
+            <a:lvl6pPr marL="1371600" indent="0">
+              <a:buNone/>
+              <a:defRPr sz="600"/>
             </a:lvl6pPr>
-            <a:lvl7pPr marL="2743200" indent="0">
-              <a:buNone/>
-              <a:defRPr sz="1000"/>
+            <a:lvl7pPr marL="1645920" indent="0">
+              <a:buNone/>
+              <a:defRPr sz="600"/>
             </a:lvl7pPr>
-            <a:lvl8pPr marL="3200400" indent="0">
-              <a:buNone/>
-              <a:defRPr sz="1000"/>
+            <a:lvl8pPr marL="1920240" indent="0">
+              <a:buNone/>
+              <a:defRPr sz="600"/>
             </a:lvl8pPr>
-            <a:lvl9pPr marL="3657600" indent="0">
-              <a:buNone/>
-              <a:defRPr sz="1000"/>
+            <a:lvl9pPr marL="2194560" indent="0">
+              <a:buNone/>
+              <a:defRPr sz="600"/>
             </a:lvl9pPr>
           </a:lstStyle>
           <a:p>
@@ -2642,13 +2340,7 @@
       </p:sp>
       <p:sp>
         <p:nvSpPr>
-          <p:cNvPr id="5" name="Date Placeholder 4">
-            <a:extLst>
-              <a:ext uri="{FF2B5EF4-FFF2-40B4-BE49-F238E27FC236}">
-                <a16:creationId xmlns:a16="http://schemas.microsoft.com/office/drawing/2014/main" id="{311B61F0-DAC0-6742-8EE3-C02ABFD02729}"/>
-              </a:ext>
-            </a:extLst>
-          </p:cNvPr>
+          <p:cNvPr id="5" name="Date Placeholder 4"/>
           <p:cNvSpPr>
             <a:spLocks noGrp="1"/>
           </p:cNvSpPr>
@@ -2671,13 +2363,7 @@
       </p:sp>
       <p:sp>
         <p:nvSpPr>
-          <p:cNvPr id="6" name="Footer Placeholder 5">
-            <a:extLst>
-              <a:ext uri="{FF2B5EF4-FFF2-40B4-BE49-F238E27FC236}">
-                <a16:creationId xmlns:a16="http://schemas.microsoft.com/office/drawing/2014/main" id="{1B13A168-24B5-144C-99CC-364044E8E2EF}"/>
-              </a:ext>
-            </a:extLst>
-          </p:cNvPr>
+          <p:cNvPr id="6" name="Footer Placeholder 5"/>
           <p:cNvSpPr>
             <a:spLocks noGrp="1"/>
           </p:cNvSpPr>
@@ -2696,13 +2382,7 @@
       </p:sp>
       <p:sp>
         <p:nvSpPr>
-          <p:cNvPr id="7" name="Slide Number Placeholder 6">
-            <a:extLst>
-              <a:ext uri="{FF2B5EF4-FFF2-40B4-BE49-F238E27FC236}">
-                <a16:creationId xmlns:a16="http://schemas.microsoft.com/office/drawing/2014/main" id="{53D21E73-B0EB-4943-A8B7-1F85BE2AF872}"/>
-              </a:ext>
-            </a:extLst>
-          </p:cNvPr>
+          <p:cNvPr id="7" name="Slide Number Placeholder 6"/>
           <p:cNvSpPr>
             <a:spLocks noGrp="1"/>
           </p:cNvSpPr>
@@ -2726,7 +2406,7 @@
     </p:spTree>
     <p:extLst>
       <p:ext uri="{BB962C8B-B14F-4D97-AF65-F5344CB8AC3E}">
-        <p14:creationId xmlns:p14="http://schemas.microsoft.com/office/powerpoint/2010/main" val="4079374529"/>
+        <p14:creationId xmlns:p14="http://schemas.microsoft.com/office/powerpoint/2010/main" val="4261424174"/>
       </p:ext>
     </p:extLst>
   </p:cSld>
@@ -2760,13 +2440,7 @@
       </p:grpSpPr>
       <p:sp>
         <p:nvSpPr>
-          <p:cNvPr id="2" name="Title Placeholder 1">
-            <a:extLst>
-              <a:ext uri="{FF2B5EF4-FFF2-40B4-BE49-F238E27FC236}">
-                <a16:creationId xmlns:a16="http://schemas.microsoft.com/office/drawing/2014/main" id="{D53BFCAC-06EF-0940-A7D3-868941BC5AD1}"/>
-              </a:ext>
-            </a:extLst>
-          </p:cNvPr>
+          <p:cNvPr id="2" name="Title Placeholder 1"/>
           <p:cNvSpPr>
             <a:spLocks noGrp="1"/>
           </p:cNvSpPr>
@@ -2776,8 +2450,8 @@
         </p:nvSpPr>
         <p:spPr>
           <a:xfrm>
-            <a:off x="838200" y="365125"/>
-            <a:ext cx="10515600" cy="1325563"/>
+            <a:off x="838200" y="219075"/>
+            <a:ext cx="10515600" cy="795338"/>
           </a:xfrm>
           <a:prstGeom prst="rect">
             <a:avLst/>
@@ -2793,18 +2467,13 @@
               <a:rPr lang="en-US"/>
               <a:t>Click to edit Master title style</a:t>
             </a:r>
-          </a:p>
-        </p:txBody>
-      </p:sp>
-      <p:sp>
-        <p:nvSpPr>
-          <p:cNvPr id="3" name="Text Placeholder 2">
-            <a:extLst>
-              <a:ext uri="{FF2B5EF4-FFF2-40B4-BE49-F238E27FC236}">
-                <a16:creationId xmlns:a16="http://schemas.microsoft.com/office/drawing/2014/main" id="{B0094A04-370C-4A43-B758-CB6A4F64EB5C}"/>
-              </a:ext>
-            </a:extLst>
-          </p:cNvPr>
+            <a:endParaRPr lang="en-US" dirty="0"/>
+          </a:p>
+        </p:txBody>
+      </p:sp>
+      <p:sp>
+        <p:nvSpPr>
+          <p:cNvPr id="3" name="Text Placeholder 2"/>
           <p:cNvSpPr>
             <a:spLocks noGrp="1"/>
           </p:cNvSpPr>
@@ -2814,8 +2483,8 @@
         </p:nvSpPr>
         <p:spPr>
           <a:xfrm>
-            <a:off x="838200" y="1825625"/>
-            <a:ext cx="10515600" cy="4351338"/>
+            <a:off x="838200" y="1095375"/>
+            <a:ext cx="10515600" cy="2610803"/>
           </a:xfrm>
           <a:prstGeom prst="rect">
             <a:avLst/>
@@ -2860,18 +2529,13 @@
               <a:rPr lang="en-US"/>
               <a:t>Fifth level</a:t>
             </a:r>
-          </a:p>
-        </p:txBody>
-      </p:sp>
-      <p:sp>
-        <p:nvSpPr>
-          <p:cNvPr id="4" name="Date Placeholder 3">
-            <a:extLst>
-              <a:ext uri="{FF2B5EF4-FFF2-40B4-BE49-F238E27FC236}">
-                <a16:creationId xmlns:a16="http://schemas.microsoft.com/office/drawing/2014/main" id="{FC9B62C8-4C16-F442-B1A1-1494354FC80B}"/>
-              </a:ext>
-            </a:extLst>
-          </p:cNvPr>
+            <a:endParaRPr lang="en-US" dirty="0"/>
+          </a:p>
+        </p:txBody>
+      </p:sp>
+      <p:sp>
+        <p:nvSpPr>
+          <p:cNvPr id="4" name="Date Placeholder 3"/>
           <p:cNvSpPr>
             <a:spLocks noGrp="1"/>
           </p:cNvSpPr>
@@ -2881,8 +2545,8 @@
         </p:nvSpPr>
         <p:spPr>
           <a:xfrm>
-            <a:off x="838200" y="6356350"/>
-            <a:ext cx="2743200" cy="365125"/>
+            <a:off x="838200" y="3813810"/>
+            <a:ext cx="2743200" cy="219075"/>
           </a:xfrm>
           <a:prstGeom prst="rect">
             <a:avLst/>
@@ -2892,7 +2556,7 @@
           <a:bodyPr vert="horz" lIns="91440" tIns="45720" rIns="91440" bIns="45720" rtlCol="0" anchor="ctr"/>
           <a:lstStyle>
             <a:lvl1pPr algn="l">
-              <a:defRPr sz="1200">
+              <a:defRPr sz="720">
                 <a:solidFill>
                   <a:schemeClr val="tx1">
                     <a:tint val="75000"/>
@@ -2912,13 +2576,7 @@
       </p:sp>
       <p:sp>
         <p:nvSpPr>
-          <p:cNvPr id="5" name="Footer Placeholder 4">
-            <a:extLst>
-              <a:ext uri="{FF2B5EF4-FFF2-40B4-BE49-F238E27FC236}">
-                <a16:creationId xmlns:a16="http://schemas.microsoft.com/office/drawing/2014/main" id="{E47D0329-25C4-8A4A-96C4-6BED1691E25B}"/>
-              </a:ext>
-            </a:extLst>
-          </p:cNvPr>
+          <p:cNvPr id="5" name="Footer Placeholder 4"/>
           <p:cNvSpPr>
             <a:spLocks noGrp="1"/>
           </p:cNvSpPr>
@@ -2928,8 +2586,8 @@
         </p:nvSpPr>
         <p:spPr>
           <a:xfrm>
-            <a:off x="4038600" y="6356350"/>
-            <a:ext cx="4114800" cy="365125"/>
+            <a:off x="4038600" y="3813810"/>
+            <a:ext cx="4114800" cy="219075"/>
           </a:xfrm>
           <a:prstGeom prst="rect">
             <a:avLst/>
@@ -2939,7 +2597,7 @@
           <a:bodyPr vert="horz" lIns="91440" tIns="45720" rIns="91440" bIns="45720" rtlCol="0" anchor="ctr"/>
           <a:lstStyle>
             <a:lvl1pPr algn="ctr">
-              <a:defRPr sz="1200">
+              <a:defRPr sz="720">
                 <a:solidFill>
                   <a:schemeClr val="tx1">
                     <a:tint val="75000"/>
@@ -2955,13 +2613,7 @@
       </p:sp>
       <p:sp>
         <p:nvSpPr>
-          <p:cNvPr id="6" name="Slide Number Placeholder 5">
-            <a:extLst>
-              <a:ext uri="{FF2B5EF4-FFF2-40B4-BE49-F238E27FC236}">
-                <a16:creationId xmlns:a16="http://schemas.microsoft.com/office/drawing/2014/main" id="{BF876CFF-55E8-D044-9530-00B17FADD859}"/>
-              </a:ext>
-            </a:extLst>
-          </p:cNvPr>
+          <p:cNvPr id="6" name="Slide Number Placeholder 5"/>
           <p:cNvSpPr>
             <a:spLocks noGrp="1"/>
           </p:cNvSpPr>
@@ -2971,8 +2623,8 @@
         </p:nvSpPr>
         <p:spPr>
           <a:xfrm>
-            <a:off x="8610600" y="6356350"/>
-            <a:ext cx="2743200" cy="365125"/>
+            <a:off x="8610600" y="3813810"/>
+            <a:ext cx="2743200" cy="219075"/>
           </a:xfrm>
           <a:prstGeom prst="rect">
             <a:avLst/>
@@ -2982,7 +2634,7 @@
           <a:bodyPr vert="horz" lIns="91440" tIns="45720" rIns="91440" bIns="45720" rtlCol="0" anchor="ctr"/>
           <a:lstStyle>
             <a:lvl1pPr algn="r">
-              <a:defRPr sz="1200">
+              <a:defRPr sz="720">
                 <a:solidFill>
                   <a:schemeClr val="tx1">
                     <a:tint val="75000"/>
@@ -3003,27 +2655,27 @@
     </p:spTree>
     <p:extLst>
       <p:ext uri="{BB962C8B-B14F-4D97-AF65-F5344CB8AC3E}">
-        <p14:creationId xmlns:p14="http://schemas.microsoft.com/office/powerpoint/2010/main" val="712919292"/>
+        <p14:creationId xmlns:p14="http://schemas.microsoft.com/office/powerpoint/2010/main" val="1283206017"/>
       </p:ext>
     </p:extLst>
   </p:cSld>
   <p:clrMap bg1="lt1" tx1="dk1" bg2="lt2" tx2="dk2" accent1="accent1" accent2="accent2" accent3="accent3" accent4="accent4" accent5="accent5" accent6="accent6" hlink="hlink" folHlink="folHlink"/>
   <p:sldLayoutIdLst>
-    <p:sldLayoutId id="2147483649" r:id="rId1"/>
-    <p:sldLayoutId id="2147483650" r:id="rId2"/>
-    <p:sldLayoutId id="2147483651" r:id="rId3"/>
-    <p:sldLayoutId id="2147483652" r:id="rId4"/>
-    <p:sldLayoutId id="2147483653" r:id="rId5"/>
-    <p:sldLayoutId id="2147483654" r:id="rId6"/>
-    <p:sldLayoutId id="2147483655" r:id="rId7"/>
-    <p:sldLayoutId id="2147483656" r:id="rId8"/>
-    <p:sldLayoutId id="2147483657" r:id="rId9"/>
-    <p:sldLayoutId id="2147483658" r:id="rId10"/>
-    <p:sldLayoutId id="2147483659" r:id="rId11"/>
+    <p:sldLayoutId id="2147483673" r:id="rId1"/>
+    <p:sldLayoutId id="2147483674" r:id="rId2"/>
+    <p:sldLayoutId id="2147483675" r:id="rId3"/>
+    <p:sldLayoutId id="2147483676" r:id="rId4"/>
+    <p:sldLayoutId id="2147483677" r:id="rId5"/>
+    <p:sldLayoutId id="2147483678" r:id="rId6"/>
+    <p:sldLayoutId id="2147483679" r:id="rId7"/>
+    <p:sldLayoutId id="2147483680" r:id="rId8"/>
+    <p:sldLayoutId id="2147483681" r:id="rId9"/>
+    <p:sldLayoutId id="2147483682" r:id="rId10"/>
+    <p:sldLayoutId id="2147483683" r:id="rId11"/>
   </p:sldLayoutIdLst>
   <p:txStyles>
     <p:titleStyle>
-      <a:lvl1pPr algn="l" defTabSz="914400" rtl="0" eaLnBrk="1" latinLnBrk="0" hangingPunct="1">
+      <a:lvl1pPr algn="l" defTabSz="548640" rtl="0" eaLnBrk="1" latinLnBrk="0" hangingPunct="1">
         <a:lnSpc>
           <a:spcPct val="90000"/>
         </a:lnSpc>
@@ -3031,7 +2683,7 @@
           <a:spcPct val="0"/>
         </a:spcBef>
         <a:buNone/>
-        <a:defRPr sz="4400" kern="1200">
+        <a:defRPr sz="2640" kern="1200">
           <a:solidFill>
             <a:schemeClr val="tx1"/>
           </a:solidFill>
@@ -3042,16 +2694,16 @@
       </a:lvl1pPr>
     </p:titleStyle>
     <p:bodyStyle>
-      <a:lvl1pPr marL="228600" indent="-228600" algn="l" defTabSz="914400" rtl="0" eaLnBrk="1" latinLnBrk="0" hangingPunct="1">
+      <a:lvl1pPr marL="137160" indent="-137160" algn="l" defTabSz="548640" rtl="0" eaLnBrk="1" latinLnBrk="0" hangingPunct="1">
         <a:lnSpc>
           <a:spcPct val="90000"/>
         </a:lnSpc>
         <a:spcBef>
-          <a:spcPts val="1000"/>
+          <a:spcPts val="600"/>
         </a:spcBef>
         <a:buFont typeface="Arial" panose="020B0604020202020204" pitchFamily="34" charset="0"/>
         <a:buChar char="•"/>
-        <a:defRPr sz="2800" kern="1200">
+        <a:defRPr sz="1680" kern="1200">
           <a:solidFill>
             <a:schemeClr val="tx1"/>
           </a:solidFill>
@@ -3060,16 +2712,16 @@
           <a:cs typeface="+mn-cs"/>
         </a:defRPr>
       </a:lvl1pPr>
-      <a:lvl2pPr marL="685800" indent="-228600" algn="l" defTabSz="914400" rtl="0" eaLnBrk="1" latinLnBrk="0" hangingPunct="1">
+      <a:lvl2pPr marL="411480" indent="-137160" algn="l" defTabSz="548640" rtl="0" eaLnBrk="1" latinLnBrk="0" hangingPunct="1">
         <a:lnSpc>
           <a:spcPct val="90000"/>
         </a:lnSpc>
         <a:spcBef>
-          <a:spcPts val="500"/>
+          <a:spcPts val="300"/>
         </a:spcBef>
         <a:buFont typeface="Arial" panose="020B0604020202020204" pitchFamily="34" charset="0"/>
         <a:buChar char="•"/>
-        <a:defRPr sz="2400" kern="1200">
+        <a:defRPr sz="1440" kern="1200">
           <a:solidFill>
             <a:schemeClr val="tx1"/>
           </a:solidFill>
@@ -3078,16 +2730,16 @@
           <a:cs typeface="+mn-cs"/>
         </a:defRPr>
       </a:lvl2pPr>
-      <a:lvl3pPr marL="1143000" indent="-228600" algn="l" defTabSz="914400" rtl="0" eaLnBrk="1" latinLnBrk="0" hangingPunct="1">
+      <a:lvl3pPr marL="685800" indent="-137160" algn="l" defTabSz="548640" rtl="0" eaLnBrk="1" latinLnBrk="0" hangingPunct="1">
         <a:lnSpc>
           <a:spcPct val="90000"/>
         </a:lnSpc>
         <a:spcBef>
-          <a:spcPts val="500"/>
+          <a:spcPts val="300"/>
         </a:spcBef>
         <a:buFont typeface="Arial" panose="020B0604020202020204" pitchFamily="34" charset="0"/>
         <a:buChar char="•"/>
-        <a:defRPr sz="2000" kern="1200">
+        <a:defRPr sz="1200" kern="1200">
           <a:solidFill>
             <a:schemeClr val="tx1"/>
           </a:solidFill>
@@ -3096,16 +2748,16 @@
           <a:cs typeface="+mn-cs"/>
         </a:defRPr>
       </a:lvl3pPr>
-      <a:lvl4pPr marL="1600200" indent="-228600" algn="l" defTabSz="914400" rtl="0" eaLnBrk="1" latinLnBrk="0" hangingPunct="1">
+      <a:lvl4pPr marL="960120" indent="-137160" algn="l" defTabSz="548640" rtl="0" eaLnBrk="1" latinLnBrk="0" hangingPunct="1">
         <a:lnSpc>
           <a:spcPct val="90000"/>
         </a:lnSpc>
         <a:spcBef>
-          <a:spcPts val="500"/>
+          <a:spcPts val="300"/>
         </a:spcBef>
         <a:buFont typeface="Arial" panose="020B0604020202020204" pitchFamily="34" charset="0"/>
         <a:buChar char="•"/>
-        <a:defRPr sz="1800" kern="1200">
+        <a:defRPr sz="1080" kern="1200">
           <a:solidFill>
             <a:schemeClr val="tx1"/>
           </a:solidFill>
@@ -3114,16 +2766,16 @@
           <a:cs typeface="+mn-cs"/>
         </a:defRPr>
       </a:lvl4pPr>
-      <a:lvl5pPr marL="2057400" indent="-228600" algn="l" defTabSz="914400" rtl="0" eaLnBrk="1" latinLnBrk="0" hangingPunct="1">
+      <a:lvl5pPr marL="1234440" indent="-137160" algn="l" defTabSz="548640" rtl="0" eaLnBrk="1" latinLnBrk="0" hangingPunct="1">
         <a:lnSpc>
           <a:spcPct val="90000"/>
         </a:lnSpc>
         <a:spcBef>
-          <a:spcPts val="500"/>
+          <a:spcPts val="300"/>
         </a:spcBef>
         <a:buFont typeface="Arial" panose="020B0604020202020204" pitchFamily="34" charset="0"/>
         <a:buChar char="•"/>
-        <a:defRPr sz="1800" kern="1200">
+        <a:defRPr sz="1080" kern="1200">
           <a:solidFill>
             <a:schemeClr val="tx1"/>
           </a:solidFill>
@@ -3132,16 +2784,16 @@
           <a:cs typeface="+mn-cs"/>
         </a:defRPr>
       </a:lvl5pPr>
-      <a:lvl6pPr marL="2514600" indent="-228600" algn="l" defTabSz="914400" rtl="0" eaLnBrk="1" latinLnBrk="0" hangingPunct="1">
+      <a:lvl6pPr marL="1508760" indent="-137160" algn="l" defTabSz="548640" rtl="0" eaLnBrk="1" latinLnBrk="0" hangingPunct="1">
         <a:lnSpc>
           <a:spcPct val="90000"/>
         </a:lnSpc>
         <a:spcBef>
-          <a:spcPts val="500"/>
+          <a:spcPts val="300"/>
         </a:spcBef>
         <a:buFont typeface="Arial" panose="020B0604020202020204" pitchFamily="34" charset="0"/>
         <a:buChar char="•"/>
-        <a:defRPr sz="1800" kern="1200">
+        <a:defRPr sz="1080" kern="1200">
           <a:solidFill>
             <a:schemeClr val="tx1"/>
           </a:solidFill>
@@ -3150,16 +2802,16 @@
           <a:cs typeface="+mn-cs"/>
         </a:defRPr>
       </a:lvl6pPr>
-      <a:lvl7pPr marL="2971800" indent="-228600" algn="l" defTabSz="914400" rtl="0" eaLnBrk="1" latinLnBrk="0" hangingPunct="1">
+      <a:lvl7pPr marL="1783080" indent="-137160" algn="l" defTabSz="548640" rtl="0" eaLnBrk="1" latinLnBrk="0" hangingPunct="1">
         <a:lnSpc>
           <a:spcPct val="90000"/>
         </a:lnSpc>
         <a:spcBef>
-          <a:spcPts val="500"/>
+          <a:spcPts val="300"/>
         </a:spcBef>
         <a:buFont typeface="Arial" panose="020B0604020202020204" pitchFamily="34" charset="0"/>
         <a:buChar char="•"/>
-        <a:defRPr sz="1800" kern="1200">
+        <a:defRPr sz="1080" kern="1200">
           <a:solidFill>
             <a:schemeClr val="tx1"/>
           </a:solidFill>
@@ -3168,16 +2820,16 @@
           <a:cs typeface="+mn-cs"/>
         </a:defRPr>
       </a:lvl7pPr>
-      <a:lvl8pPr marL="3429000" indent="-228600" algn="l" defTabSz="914400" rtl="0" eaLnBrk="1" latinLnBrk="0" hangingPunct="1">
+      <a:lvl8pPr marL="2057400" indent="-137160" algn="l" defTabSz="548640" rtl="0" eaLnBrk="1" latinLnBrk="0" hangingPunct="1">
         <a:lnSpc>
           <a:spcPct val="90000"/>
         </a:lnSpc>
         <a:spcBef>
-          <a:spcPts val="500"/>
+          <a:spcPts val="300"/>
         </a:spcBef>
         <a:buFont typeface="Arial" panose="020B0604020202020204" pitchFamily="34" charset="0"/>
         <a:buChar char="•"/>
-        <a:defRPr sz="1800" kern="1200">
+        <a:defRPr sz="1080" kern="1200">
           <a:solidFill>
             <a:schemeClr val="tx1"/>
           </a:solidFill>
@@ -3186,16 +2838,16 @@
           <a:cs typeface="+mn-cs"/>
         </a:defRPr>
       </a:lvl8pPr>
-      <a:lvl9pPr marL="3886200" indent="-228600" algn="l" defTabSz="914400" rtl="0" eaLnBrk="1" latinLnBrk="0" hangingPunct="1">
+      <a:lvl9pPr marL="2331720" indent="-137160" algn="l" defTabSz="548640" rtl="0" eaLnBrk="1" latinLnBrk="0" hangingPunct="1">
         <a:lnSpc>
           <a:spcPct val="90000"/>
         </a:lnSpc>
         <a:spcBef>
-          <a:spcPts val="500"/>
+          <a:spcPts val="300"/>
         </a:spcBef>
         <a:buFont typeface="Arial" panose="020B0604020202020204" pitchFamily="34" charset="0"/>
         <a:buChar char="•"/>
-        <a:defRPr sz="1800" kern="1200">
+        <a:defRPr sz="1080" kern="1200">
           <a:solidFill>
             <a:schemeClr val="tx1"/>
           </a:solidFill>
@@ -3209,8 +2861,8 @@
       <a:defPPr>
         <a:defRPr lang="en-US"/>
       </a:defPPr>
-      <a:lvl1pPr marL="0" algn="l" defTabSz="914400" rtl="0" eaLnBrk="1" latinLnBrk="0" hangingPunct="1">
-        <a:defRPr sz="1800" kern="1200">
+      <a:lvl1pPr marL="0" algn="l" defTabSz="548640" rtl="0" eaLnBrk="1" latinLnBrk="0" hangingPunct="1">
+        <a:defRPr sz="1080" kern="1200">
           <a:solidFill>
             <a:schemeClr val="tx1"/>
           </a:solidFill>
@@ -3219,8 +2871,8 @@
           <a:cs typeface="+mn-cs"/>
         </a:defRPr>
       </a:lvl1pPr>
-      <a:lvl2pPr marL="457200" algn="l" defTabSz="914400" rtl="0" eaLnBrk="1" latinLnBrk="0" hangingPunct="1">
-        <a:defRPr sz="1800" kern="1200">
+      <a:lvl2pPr marL="274320" algn="l" defTabSz="548640" rtl="0" eaLnBrk="1" latinLnBrk="0" hangingPunct="1">
+        <a:defRPr sz="1080" kern="1200">
           <a:solidFill>
             <a:schemeClr val="tx1"/>
           </a:solidFill>
@@ -3229,8 +2881,8 @@
           <a:cs typeface="+mn-cs"/>
         </a:defRPr>
       </a:lvl2pPr>
-      <a:lvl3pPr marL="914400" algn="l" defTabSz="914400" rtl="0" eaLnBrk="1" latinLnBrk="0" hangingPunct="1">
-        <a:defRPr sz="1800" kern="1200">
+      <a:lvl3pPr marL="548640" algn="l" defTabSz="548640" rtl="0" eaLnBrk="1" latinLnBrk="0" hangingPunct="1">
+        <a:defRPr sz="1080" kern="1200">
           <a:solidFill>
             <a:schemeClr val="tx1"/>
           </a:solidFill>
@@ -3239,8 +2891,8 @@
           <a:cs typeface="+mn-cs"/>
         </a:defRPr>
       </a:lvl3pPr>
-      <a:lvl4pPr marL="1371600" algn="l" defTabSz="914400" rtl="0" eaLnBrk="1" latinLnBrk="0" hangingPunct="1">
-        <a:defRPr sz="1800" kern="1200">
+      <a:lvl4pPr marL="822960" algn="l" defTabSz="548640" rtl="0" eaLnBrk="1" latinLnBrk="0" hangingPunct="1">
+        <a:defRPr sz="1080" kern="1200">
           <a:solidFill>
             <a:schemeClr val="tx1"/>
           </a:solidFill>
@@ -3249,8 +2901,8 @@
           <a:cs typeface="+mn-cs"/>
         </a:defRPr>
       </a:lvl4pPr>
-      <a:lvl5pPr marL="1828800" algn="l" defTabSz="914400" rtl="0" eaLnBrk="1" latinLnBrk="0" hangingPunct="1">
-        <a:defRPr sz="1800" kern="1200">
+      <a:lvl5pPr marL="1097280" algn="l" defTabSz="548640" rtl="0" eaLnBrk="1" latinLnBrk="0" hangingPunct="1">
+        <a:defRPr sz="1080" kern="1200">
           <a:solidFill>
             <a:schemeClr val="tx1"/>
           </a:solidFill>
@@ -3259,8 +2911,8 @@
           <a:cs typeface="+mn-cs"/>
         </a:defRPr>
       </a:lvl5pPr>
-      <a:lvl6pPr marL="2286000" algn="l" defTabSz="914400" rtl="0" eaLnBrk="1" latinLnBrk="0" hangingPunct="1">
-        <a:defRPr sz="1800" kern="1200">
+      <a:lvl6pPr marL="1371600" algn="l" defTabSz="548640" rtl="0" eaLnBrk="1" latinLnBrk="0" hangingPunct="1">
+        <a:defRPr sz="1080" kern="1200">
           <a:solidFill>
             <a:schemeClr val="tx1"/>
           </a:solidFill>
@@ -3269,8 +2921,8 @@
           <a:cs typeface="+mn-cs"/>
         </a:defRPr>
       </a:lvl6pPr>
-      <a:lvl7pPr marL="2743200" algn="l" defTabSz="914400" rtl="0" eaLnBrk="1" latinLnBrk="0" hangingPunct="1">
-        <a:defRPr sz="1800" kern="1200">
+      <a:lvl7pPr marL="1645920" algn="l" defTabSz="548640" rtl="0" eaLnBrk="1" latinLnBrk="0" hangingPunct="1">
+        <a:defRPr sz="1080" kern="1200">
           <a:solidFill>
             <a:schemeClr val="tx1"/>
           </a:solidFill>
@@ -3279,8 +2931,8 @@
           <a:cs typeface="+mn-cs"/>
         </a:defRPr>
       </a:lvl7pPr>
-      <a:lvl8pPr marL="3200400" algn="l" defTabSz="914400" rtl="0" eaLnBrk="1" latinLnBrk="0" hangingPunct="1">
-        <a:defRPr sz="1800" kern="1200">
+      <a:lvl8pPr marL="1920240" algn="l" defTabSz="548640" rtl="0" eaLnBrk="1" latinLnBrk="0" hangingPunct="1">
+        <a:defRPr sz="1080" kern="1200">
           <a:solidFill>
             <a:schemeClr val="tx1"/>
           </a:solidFill>
@@ -3289,8 +2941,8 @@
           <a:cs typeface="+mn-cs"/>
         </a:defRPr>
       </a:lvl8pPr>
-      <a:lvl9pPr marL="3657600" algn="l" defTabSz="914400" rtl="0" eaLnBrk="1" latinLnBrk="0" hangingPunct="1">
-        <a:defRPr sz="1800" kern="1200">
+      <a:lvl9pPr marL="2194560" algn="l" defTabSz="548640" rtl="0" eaLnBrk="1" latinLnBrk="0" hangingPunct="1">
+        <a:defRPr sz="1080" kern="1200">
           <a:solidFill>
             <a:schemeClr val="tx1"/>
           </a:solidFill>
@@ -3343,7 +2995,7 @@
         </p:blipFill>
         <p:spPr>
           <a:xfrm>
-            <a:off x="0" y="1143000"/>
+            <a:off x="0" y="173798"/>
             <a:ext cx="5650805" cy="3767203"/>
           </a:xfrm>
           <a:prstGeom prst="rect">
@@ -3373,7 +3025,7 @@
         </p:blipFill>
         <p:spPr>
           <a:xfrm>
-            <a:off x="6541197" y="1143000"/>
+            <a:off x="6541197" y="173797"/>
             <a:ext cx="5650805" cy="3767203"/>
           </a:xfrm>
           <a:prstGeom prst="rect">
@@ -3395,7 +3047,7 @@
         </p:nvSpPr>
         <p:spPr>
           <a:xfrm>
-            <a:off x="2443917" y="3889999"/>
+            <a:off x="2443917" y="2518399"/>
             <a:ext cx="2395528" cy="923330"/>
           </a:xfrm>
           <a:prstGeom prst="rect">
@@ -3442,7 +3094,7 @@
         </p:nvSpPr>
         <p:spPr>
           <a:xfrm>
-            <a:off x="9748083" y="3889998"/>
+            <a:off x="9748083" y="2518398"/>
             <a:ext cx="1728422" cy="923330"/>
           </a:xfrm>
           <a:prstGeom prst="rect">
@@ -3497,7 +3149,7 @@
 <file path=ppt/theme/theme1.xml><?xml version="1.0" encoding="utf-8"?>
 <a:theme xmlns:a="http://schemas.openxmlformats.org/drawingml/2006/main" name="Office Theme">
   <a:themeElements>
-    <a:clrScheme name="Office">
+    <a:clrScheme name="Office Theme">
       <a:dk1>
         <a:sysClr val="windowText" lastClr="000000"/>
       </a:dk1>
@@ -3535,7 +3187,7 @@
         <a:srgbClr val="954F72"/>
       </a:folHlink>
     </a:clrScheme>
-    <a:fontScheme name="Office">
+    <a:fontScheme name="Office Theme">
       <a:majorFont>
         <a:latin typeface="Calibri Light" panose="020F0302020204030204"/>
         <a:ea typeface=""/>
@@ -3570,23 +3222,6 @@
         <a:font script="Viet" typeface="Times New Roman"/>
         <a:font script="Uigh" typeface="Microsoft Uighur"/>
         <a:font script="Geor" typeface="Sylfaen"/>
-        <a:font script="Armn" typeface="Arial"/>
-        <a:font script="Bugi" typeface="Leelawadee UI"/>
-        <a:font script="Bopo" typeface="Microsoft JhengHei"/>
-        <a:font script="Java" typeface="Javanese Text"/>
-        <a:font script="Lisu" typeface="Segoe UI"/>
-        <a:font script="Mymr" typeface="Myanmar Text"/>
-        <a:font script="Nkoo" typeface="Ebrima"/>
-        <a:font script="Olck" typeface="Nirmala UI"/>
-        <a:font script="Osma" typeface="Ebrima"/>
-        <a:font script="Phag" typeface="Phagspa"/>
-        <a:font script="Syrn" typeface="Estrangelo Edessa"/>
-        <a:font script="Syrj" typeface="Estrangelo Edessa"/>
-        <a:font script="Syre" typeface="Estrangelo Edessa"/>
-        <a:font script="Sora" typeface="Nirmala UI"/>
-        <a:font script="Tale" typeface="Microsoft Tai Le"/>
-        <a:font script="Talu" typeface="Microsoft New Tai Lue"/>
-        <a:font script="Tfng" typeface="Ebrima"/>
       </a:majorFont>
       <a:minorFont>
         <a:latin typeface="Calibri" panose="020F0502020204030204"/>
@@ -3622,26 +3257,9 @@
         <a:font script="Viet" typeface="Arial"/>
         <a:font script="Uigh" typeface="Microsoft Uighur"/>
         <a:font script="Geor" typeface="Sylfaen"/>
-        <a:font script="Armn" typeface="Arial"/>
-        <a:font script="Bugi" typeface="Leelawadee UI"/>
-        <a:font script="Bopo" typeface="Microsoft JhengHei"/>
-        <a:font script="Java" typeface="Javanese Text"/>
-        <a:font script="Lisu" typeface="Segoe UI"/>
-        <a:font script="Mymr" typeface="Myanmar Text"/>
-        <a:font script="Nkoo" typeface="Ebrima"/>
-        <a:font script="Olck" typeface="Nirmala UI"/>
-        <a:font script="Osma" typeface="Ebrima"/>
-        <a:font script="Phag" typeface="Phagspa"/>
-        <a:font script="Syrn" typeface="Estrangelo Edessa"/>
-        <a:font script="Syrj" typeface="Estrangelo Edessa"/>
-        <a:font script="Syre" typeface="Estrangelo Edessa"/>
-        <a:font script="Sora" typeface="Nirmala UI"/>
-        <a:font script="Tale" typeface="Microsoft Tai Le"/>
-        <a:font script="Talu" typeface="Microsoft New Tai Lue"/>
-        <a:font script="Tfng" typeface="Ebrima"/>
       </a:minorFont>
     </a:fontScheme>
-    <a:fmtScheme name="Office">
+    <a:fmtScheme name="Office Theme">
       <a:fillStyleLst>
         <a:solidFill>
           <a:schemeClr val="phClr"/>
